--- a/説明資料/進捗.pptx
+++ b/説明資料/進捗.pptx
@@ -264,7 +264,7 @@
           <a:p>
             <a:fld id="{2F54BAFE-1045-4675-A6B0-BE4862724CD5}" type="datetimeFigureOut">
               <a:rPr kumimoji="1" lang="ja-JP" altLang="en-US" smtClean="0"/>
-              <a:t>2025/2/1</a:t>
+              <a:t>2025/2/2</a:t>
             </a:fld>
             <a:endParaRPr kumimoji="1" lang="ja-JP" altLang="en-US"/>
           </a:p>
@@ -494,7 +494,7 @@
           <a:p>
             <a:fld id="{2F54BAFE-1045-4675-A6B0-BE4862724CD5}" type="datetimeFigureOut">
               <a:rPr kumimoji="1" lang="ja-JP" altLang="en-US" smtClean="0"/>
-              <a:t>2025/2/1</a:t>
+              <a:t>2025/2/2</a:t>
             </a:fld>
             <a:endParaRPr kumimoji="1" lang="ja-JP" altLang="en-US"/>
           </a:p>
@@ -734,7 +734,7 @@
           <a:p>
             <a:fld id="{2F54BAFE-1045-4675-A6B0-BE4862724CD5}" type="datetimeFigureOut">
               <a:rPr kumimoji="1" lang="ja-JP" altLang="en-US" smtClean="0"/>
-              <a:t>2025/2/1</a:t>
+              <a:t>2025/2/2</a:t>
             </a:fld>
             <a:endParaRPr kumimoji="1" lang="ja-JP" altLang="en-US"/>
           </a:p>
@@ -974,7 +974,7 @@
           <a:p>
             <a:fld id="{2F54BAFE-1045-4675-A6B0-BE4862724CD5}" type="datetimeFigureOut">
               <a:rPr kumimoji="1" lang="ja-JP" altLang="en-US" smtClean="0"/>
-              <a:t>2025/2/1</a:t>
+              <a:t>2025/2/2</a:t>
             </a:fld>
             <a:endParaRPr kumimoji="1" lang="ja-JP" altLang="en-US"/>
           </a:p>
@@ -1249,7 +1249,7 @@
           <a:p>
             <a:fld id="{2F54BAFE-1045-4675-A6B0-BE4862724CD5}" type="datetimeFigureOut">
               <a:rPr kumimoji="1" lang="ja-JP" altLang="en-US" smtClean="0"/>
-              <a:t>2025/2/1</a:t>
+              <a:t>2025/2/2</a:t>
             </a:fld>
             <a:endParaRPr kumimoji="1" lang="ja-JP" altLang="en-US"/>
           </a:p>
@@ -1583,7 +1583,7 @@
           <a:p>
             <a:fld id="{2F54BAFE-1045-4675-A6B0-BE4862724CD5}" type="datetimeFigureOut">
               <a:rPr kumimoji="1" lang="ja-JP" altLang="en-US" smtClean="0"/>
-              <a:t>2025/2/1</a:t>
+              <a:t>2025/2/2</a:t>
             </a:fld>
             <a:endParaRPr kumimoji="1" lang="ja-JP" altLang="en-US"/>
           </a:p>
@@ -2059,7 +2059,7 @@
           <a:p>
             <a:fld id="{2F54BAFE-1045-4675-A6B0-BE4862724CD5}" type="datetimeFigureOut">
               <a:rPr kumimoji="1" lang="ja-JP" altLang="en-US" smtClean="0"/>
-              <a:t>2025/2/1</a:t>
+              <a:t>2025/2/2</a:t>
             </a:fld>
             <a:endParaRPr kumimoji="1" lang="ja-JP" altLang="en-US"/>
           </a:p>
@@ -2200,7 +2200,7 @@
           <a:p>
             <a:fld id="{2F54BAFE-1045-4675-A6B0-BE4862724CD5}" type="datetimeFigureOut">
               <a:rPr kumimoji="1" lang="ja-JP" altLang="en-US" smtClean="0"/>
-              <a:t>2025/2/1</a:t>
+              <a:t>2025/2/2</a:t>
             </a:fld>
             <a:endParaRPr kumimoji="1" lang="ja-JP" altLang="en-US"/>
           </a:p>
@@ -2313,7 +2313,7 @@
           <a:p>
             <a:fld id="{2F54BAFE-1045-4675-A6B0-BE4862724CD5}" type="datetimeFigureOut">
               <a:rPr kumimoji="1" lang="ja-JP" altLang="en-US" smtClean="0"/>
-              <a:t>2025/2/1</a:t>
+              <a:t>2025/2/2</a:t>
             </a:fld>
             <a:endParaRPr kumimoji="1" lang="ja-JP" altLang="en-US"/>
           </a:p>
@@ -2656,7 +2656,7 @@
           <a:p>
             <a:fld id="{2F54BAFE-1045-4675-A6B0-BE4862724CD5}" type="datetimeFigureOut">
               <a:rPr kumimoji="1" lang="ja-JP" altLang="en-US" smtClean="0"/>
-              <a:t>2025/2/1</a:t>
+              <a:t>2025/2/2</a:t>
             </a:fld>
             <a:endParaRPr kumimoji="1" lang="ja-JP" altLang="en-US"/>
           </a:p>
@@ -2944,7 +2944,7 @@
           <a:p>
             <a:fld id="{2F54BAFE-1045-4675-A6B0-BE4862724CD5}" type="datetimeFigureOut">
               <a:rPr kumimoji="1" lang="ja-JP" altLang="en-US" smtClean="0"/>
-              <a:t>2025/2/1</a:t>
+              <a:t>2025/2/2</a:t>
             </a:fld>
             <a:endParaRPr kumimoji="1" lang="ja-JP" altLang="en-US"/>
           </a:p>
@@ -3217,7 +3217,7 @@
           <a:p>
             <a:fld id="{2F54BAFE-1045-4675-A6B0-BE4862724CD5}" type="datetimeFigureOut">
               <a:rPr kumimoji="1" lang="ja-JP" altLang="en-US" smtClean="0"/>
-              <a:t>2025/2/1</a:t>
+              <a:t>2025/2/2</a:t>
             </a:fld>
             <a:endParaRPr kumimoji="1" lang="ja-JP" altLang="en-US"/>
           </a:p>
@@ -7461,7 +7461,7 @@
         </p:nvGrpSpPr>
         <p:grpSpPr>
           <a:xfrm rot="2700000">
-            <a:off x="9507459" y="267385"/>
+            <a:off x="9422219" y="283824"/>
             <a:ext cx="2243307" cy="2940364"/>
             <a:chOff x="6724587" y="1343818"/>
             <a:chExt cx="2243307" cy="2940364"/>
@@ -18868,7 +18868,7 @@
               <a:lstStyle/>
               <a:p>
                 <a:pPr algn="ctr"/>
-                <a:endParaRPr kumimoji="1" lang="ja-JP" altLang="en-US"/>
+                <a:endParaRPr kumimoji="1" lang="ja-JP" altLang="en-US" dirty="0"/>
               </a:p>
             </p:txBody>
           </p:sp>
@@ -19234,7 +19234,7 @@
               <a:lstStyle/>
               <a:p>
                 <a:pPr algn="ctr"/>
-                <a:endParaRPr kumimoji="1" lang="ja-JP" altLang="en-US"/>
+                <a:endParaRPr kumimoji="1" lang="ja-JP" altLang="en-US" dirty="0"/>
               </a:p>
             </p:txBody>
           </p:sp>
@@ -19524,7 +19524,7 @@
                 <a:lstStyle/>
                 <a:p>
                   <a:pPr algn="ctr"/>
-                  <a:endParaRPr lang="ja-JP" altLang="en-US" sz="2170"/>
+                  <a:endParaRPr lang="ja-JP" altLang="en-US" sz="2170" dirty="0"/>
                 </a:p>
               </p:txBody>
             </p:sp>
@@ -20606,7 +20606,7 @@
             <a:lstStyle/>
             <a:p>
               <a:pPr algn="ctr"/>
-              <a:endParaRPr lang="ja-JP" altLang="en-US" sz="2170"/>
+              <a:endParaRPr lang="ja-JP" altLang="en-US" sz="2170" dirty="0"/>
             </a:p>
           </p:txBody>
         </p:sp>
@@ -20807,8 +20807,8 @@
           </p:txBody>
         </p:sp>
       </p:grpSp>
-      <mc:AlternateContent xmlns:mc="http://schemas.openxmlformats.org/markup-compatibility/2006">
-        <mc:Choice xmlns:a14="http://schemas.microsoft.com/office/drawing/2010/main" Requires="a14">
+      <mc:AlternateContent xmlns:mc="http://schemas.openxmlformats.org/markup-compatibility/2006" xmlns:a14="http://schemas.microsoft.com/office/drawing/2010/main">
+        <mc:Choice Requires="a14">
           <p:sp>
             <p:nvSpPr>
               <p:cNvPr id="1473" name="テキスト ボックス 1472">
@@ -20837,6 +20837,7 @@
               </a:bodyPr>
               <a:lstStyle/>
               <a:p>
+                <a:pPr/>
                 <a14:m>
                   <m:oMathPara xmlns:m="http://schemas.openxmlformats.org/officeDocument/2006/math">
                     <m:oMathParaPr>
@@ -20906,7 +20907,7 @@
             </p:txBody>
           </p:sp>
         </mc:Choice>
-        <mc:Fallback>
+        <mc:Fallback xmlns="">
           <p:sp>
             <p:nvSpPr>
               <p:cNvPr id="1473" name="テキスト ボックス 1472">
@@ -20967,8 +20968,8 @@
             </p:nvSpPr>
             <p:spPr>
               <a:xfrm>
-                <a:off x="1342289" y="5119394"/>
-                <a:ext cx="4877425" cy="1579407"/>
+                <a:off x="442126" y="4900029"/>
+                <a:ext cx="4152355" cy="1477328"/>
               </a:xfrm>
               <a:prstGeom prst="rect">
                 <a:avLst/>
@@ -21020,238 +21021,84 @@
                   <a:rPr lang="ja-JP" altLang="en-US" dirty="0"/>
                   <a:t>点群は</a:t>
                 </a:r>
+                <a:r>
+                  <a:rPr lang="en-US" altLang="ja-JP" dirty="0"/>
+                  <a:t>?</a:t>
+                </a:r>
+              </a:p>
+              <a:p>
+                <a:r>
+                  <a:rPr lang="ja-JP" altLang="en-US" dirty="0"/>
+                  <a:t>反対称なバンド変形となるので</a:t>
+                </a:r>
+                <a:endParaRPr kumimoji="1" lang="en-US" altLang="ja-JP" dirty="0"/>
+              </a:p>
+              <a:p>
+                <a:r>
+                  <a:rPr lang="ja-JP" altLang="en-US" b="0" dirty="0"/>
+                  <a:t>磁気トロイダル多極子 </a:t>
+                </a:r>
                 <a14:m>
                   <m:oMath xmlns:m="http://schemas.openxmlformats.org/officeDocument/2006/math">
-                    <m:sSubSup>
-                      <m:sSubSupPr>
-                        <m:ctrlPr>
-                          <a:rPr lang="en-US" altLang="ja-JP" i="1">
-                            <a:latin typeface="Cambria Math" panose="02040503050406030204" pitchFamily="18" charset="0"/>
-                          </a:rPr>
-                        </m:ctrlPr>
-                      </m:sSubSupPr>
-                      <m:e>
-                        <m:r>
-                          <a:rPr lang="en-US" altLang="ja-JP" i="1">
-                            <a:latin typeface="Cambria Math" panose="02040503050406030204" pitchFamily="18" charset="0"/>
-                          </a:rPr>
-                          <m:t>𝐷</m:t>
-                        </m:r>
-                      </m:e>
-                      <m:sub>
-                        <m:r>
-                          <a:rPr lang="en-US" altLang="ja-JP" i="1">
-                            <a:latin typeface="Cambria Math" panose="02040503050406030204" pitchFamily="18" charset="0"/>
-                          </a:rPr>
-                          <m:t>2</m:t>
-                        </m:r>
-                        <m:r>
-                          <a:rPr lang="en-US" altLang="ja-JP" i="1">
-                            <a:latin typeface="Cambria Math" panose="02040503050406030204" pitchFamily="18" charset="0"/>
-                          </a:rPr>
-                          <m:t>𝑑</m:t>
-                        </m:r>
-                      </m:sub>
-                      <m:sup>
-                        <m:r>
-                          <a:rPr lang="en-US" altLang="ja-JP" i="1">
-                            <a:latin typeface="Cambria Math" panose="02040503050406030204" pitchFamily="18" charset="0"/>
-                          </a:rPr>
-                          <m:t>[110]</m:t>
-                        </m:r>
-                      </m:sup>
-                    </m:sSubSup>
+                    <m:r>
+                      <a:rPr lang="en-US" altLang="ja-JP" b="0" i="1" smtClean="0">
+                        <a:latin typeface="Cambria Math" panose="02040503050406030204" pitchFamily="18" charset="0"/>
+                      </a:rPr>
+                      <m:t>𝑇</m:t>
+                    </m:r>
                   </m:oMath>
                 </a14:m>
                 <a:r>
+                  <a:rPr kumimoji="1" lang="ja-JP" altLang="en-US" dirty="0"/>
+                  <a:t> の何かが</a:t>
+                </a:r>
+                <a:r>
                   <a:rPr lang="ja-JP" altLang="en-US" dirty="0"/>
-                  <a:t>となる。</a:t>
+                  <a:t>活性</a:t>
                 </a:r>
                 <a:endParaRPr lang="en-US" altLang="ja-JP" dirty="0"/>
               </a:p>
               <a:p>
-                <a:r>
-                  <a:rPr lang="ja-JP" altLang="en-US" dirty="0"/>
-                  <a:t>秩序変数は</a:t>
-                </a:r>
                 <a14:m>
-                  <m:oMath xmlns:m="http://schemas.openxmlformats.org/officeDocument/2006/math">
-                    <m:sSub>
-                      <m:sSubPr>
-                        <m:ctrlPr>
-                          <a:rPr lang="en-US" altLang="ja-JP" b="0" i="1" smtClean="0">
-                            <a:latin typeface="Cambria Math" panose="02040503050406030204" pitchFamily="18" charset="0"/>
-                          </a:rPr>
-                        </m:ctrlPr>
-                      </m:sSubPr>
-                      <m:e>
-                        <m:r>
-                          <a:rPr lang="en-US" altLang="ja-JP" b="0" i="1" smtClean="0">
-                            <a:latin typeface="Cambria Math" panose="02040503050406030204" pitchFamily="18" charset="0"/>
-                          </a:rPr>
-                          <m:t>𝐵</m:t>
-                        </m:r>
-                      </m:e>
-                      <m:sub>
-                        <m:r>
-                          <a:rPr lang="en-US" altLang="ja-JP" b="0" i="1" smtClean="0">
-                            <a:latin typeface="Cambria Math" panose="02040503050406030204" pitchFamily="18" charset="0"/>
-                          </a:rPr>
-                          <m:t>2</m:t>
-                        </m:r>
-                        <m:r>
-                          <a:rPr lang="en-US" altLang="ja-JP" b="0" i="1" smtClean="0">
-                            <a:latin typeface="Cambria Math" panose="02040503050406030204" pitchFamily="18" charset="0"/>
-                          </a:rPr>
-                          <m:t>𝑢</m:t>
-                        </m:r>
-                      </m:sub>
-                    </m:sSub>
-                  </m:oMath>
+                  <m:oMathPara xmlns:m="http://schemas.openxmlformats.org/officeDocument/2006/math">
+                    <m:oMathParaPr>
+                      <m:jc m:val="centerGroup"/>
+                    </m:oMathParaPr>
+                    <m:oMath xmlns:m="http://schemas.openxmlformats.org/officeDocument/2006/math">
+                      <m:r>
+                        <a:rPr lang="en-US" altLang="ja-JP" i="1" dirty="0" smtClean="0">
+                          <a:latin typeface="Cambria Math" panose="02040503050406030204" pitchFamily="18" charset="0"/>
+                        </a:rPr>
+                        <m:t>(</m:t>
+                      </m:r>
+                      <m:r>
+                        <a:rPr lang="en-US" altLang="ja-JP" i="1" dirty="0" smtClean="0">
+                          <a:latin typeface="Cambria Math" panose="02040503050406030204" pitchFamily="18" charset="0"/>
+                        </a:rPr>
+                        <m:t>𝑃</m:t>
+                      </m:r>
+                      <m:r>
+                        <a:rPr lang="en-US" altLang="ja-JP" i="1" dirty="0" smtClean="0">
+                          <a:latin typeface="Cambria Math" panose="02040503050406030204" pitchFamily="18" charset="0"/>
+                        </a:rPr>
+                        <m:t>=−1,</m:t>
+                      </m:r>
+                      <m:r>
+                        <a:rPr lang="en-US" altLang="ja-JP" i="1" dirty="0" smtClean="0">
+                          <a:latin typeface="Cambria Math" panose="02040503050406030204" pitchFamily="18" charset="0"/>
+                        </a:rPr>
+                        <m:t>𝑇</m:t>
+                      </m:r>
+                      <m:r>
+                        <a:rPr lang="en-US" altLang="ja-JP" i="1" dirty="0" smtClean="0">
+                          <a:latin typeface="Cambria Math" panose="02040503050406030204" pitchFamily="18" charset="0"/>
+                        </a:rPr>
+                        <m:t>=−1)</m:t>
+                      </m:r>
+                    </m:oMath>
+                  </m:oMathPara>
                 </a14:m>
-                <a:r>
-                  <a:rPr kumimoji="1" lang="ja-JP" altLang="en-US" dirty="0"/>
-                  <a:t>より</a:t>
-                </a:r>
-                <a:endParaRPr kumimoji="1" lang="en-US" altLang="ja-JP" dirty="0"/>
-              </a:p>
-              <a:p>
-                <a14:m>
-                  <m:oMath xmlns:m="http://schemas.openxmlformats.org/officeDocument/2006/math">
-                    <m:sSubSup>
-                      <m:sSubSupPr>
-                        <m:ctrlPr>
-                          <a:rPr kumimoji="1" lang="en-US" altLang="ja-JP" b="0" i="1" dirty="0" smtClean="0">
-                            <a:latin typeface="Cambria Math" panose="02040503050406030204" pitchFamily="18" charset="0"/>
-                          </a:rPr>
-                        </m:ctrlPr>
-                      </m:sSubSupPr>
-                      <m:e>
-                        <m:r>
-                          <a:rPr kumimoji="1" lang="en-US" altLang="ja-JP" b="0" i="1" dirty="0" smtClean="0">
-                            <a:latin typeface="Cambria Math" panose="02040503050406030204" pitchFamily="18" charset="0"/>
-                          </a:rPr>
-                          <m:t>𝑀</m:t>
-                        </m:r>
-                      </m:e>
-                      <m:sub>
-                        <m:r>
-                          <a:rPr kumimoji="1" lang="en-US" altLang="ja-JP" b="0" i="1" dirty="0" smtClean="0">
-                            <a:latin typeface="Cambria Math" panose="02040503050406030204" pitchFamily="18" charset="0"/>
-                          </a:rPr>
-                          <m:t>22</m:t>
-                        </m:r>
-                      </m:sub>
-                      <m:sup>
-                        <m:r>
-                          <a:rPr kumimoji="1" lang="en-US" altLang="ja-JP" b="0" i="1" dirty="0" smtClean="0">
-                            <a:latin typeface="Cambria Math" panose="02040503050406030204" pitchFamily="18" charset="0"/>
-                          </a:rPr>
-                          <m:t>−</m:t>
-                        </m:r>
-                      </m:sup>
-                    </m:sSubSup>
-                  </m:oMath>
-                </a14:m>
-                <a:r>
-                  <a:rPr kumimoji="1" lang="ja-JP" altLang="en-US" dirty="0"/>
-                  <a:t>の偶パリティ磁気</a:t>
-                </a:r>
-                <a:r>
-                  <a:rPr kumimoji="1" lang="en-US" altLang="ja-JP" dirty="0"/>
-                  <a:t>4</a:t>
-                </a:r>
-                <a:r>
-                  <a:rPr lang="ja-JP" altLang="en-US" dirty="0"/>
-                  <a:t>極子が活性</a:t>
-                </a:r>
-                <a:endParaRPr lang="en-US" altLang="ja-JP" dirty="0"/>
-              </a:p>
-              <a:p>
-                <a:r>
-                  <a:rPr lang="ja-JP" altLang="en-US" dirty="0"/>
-                  <a:t>つまりハミルトニアンに</a:t>
-                </a:r>
-                <a14:m>
-                  <m:oMath xmlns:m="http://schemas.openxmlformats.org/officeDocument/2006/math">
-                    <m:sSubSup>
-                      <m:sSubSupPr>
-                        <m:ctrlPr>
-                          <a:rPr lang="en-US" altLang="ja-JP" b="0" i="1" smtClean="0">
-                            <a:latin typeface="Cambria Math" panose="02040503050406030204" pitchFamily="18" charset="0"/>
-                          </a:rPr>
-                        </m:ctrlPr>
-                      </m:sSubSupPr>
-                      <m:e>
-                        <m:r>
-                          <a:rPr lang="en-US" altLang="ja-JP" b="0" i="1" smtClean="0">
-                            <a:latin typeface="Cambria Math" panose="02040503050406030204" pitchFamily="18" charset="0"/>
-                          </a:rPr>
-                          <m:t>𝑘</m:t>
-                        </m:r>
-                      </m:e>
-                      <m:sub>
-                        <m:r>
-                          <a:rPr lang="en-US" altLang="ja-JP" b="0" i="1" smtClean="0">
-                            <a:latin typeface="Cambria Math" panose="02040503050406030204" pitchFamily="18" charset="0"/>
-                          </a:rPr>
-                          <m:t>𝑥</m:t>
-                        </m:r>
-                      </m:sub>
-                      <m:sup>
-                        <m:r>
-                          <a:rPr lang="en-US" altLang="ja-JP" b="0" i="1" smtClean="0">
-                            <a:latin typeface="Cambria Math" panose="02040503050406030204" pitchFamily="18" charset="0"/>
-                          </a:rPr>
-                          <m:t>2</m:t>
-                        </m:r>
-                      </m:sup>
-                    </m:sSubSup>
-                    <m:r>
-                      <a:rPr lang="en-US" altLang="ja-JP" b="0" i="1" smtClean="0">
-                        <a:latin typeface="Cambria Math" panose="02040503050406030204" pitchFamily="18" charset="0"/>
-                      </a:rPr>
-                      <m:t>−</m:t>
-                    </m:r>
-                    <m:sSubSup>
-                      <m:sSubSupPr>
-                        <m:ctrlPr>
-                          <a:rPr lang="en-US" altLang="ja-JP" b="0" i="1" smtClean="0">
-                            <a:latin typeface="Cambria Math" panose="02040503050406030204" pitchFamily="18" charset="0"/>
-                          </a:rPr>
-                        </m:ctrlPr>
-                      </m:sSubSupPr>
-                      <m:e>
-                        <m:r>
-                          <a:rPr lang="en-US" altLang="ja-JP" b="0" i="1" smtClean="0">
-                            <a:latin typeface="Cambria Math" panose="02040503050406030204" pitchFamily="18" charset="0"/>
-                          </a:rPr>
-                          <m:t>𝑘</m:t>
-                        </m:r>
-                      </m:e>
-                      <m:sub>
-                        <m:r>
-                          <a:rPr lang="en-US" altLang="ja-JP" b="0" i="1" smtClean="0">
-                            <a:latin typeface="Cambria Math" panose="02040503050406030204" pitchFamily="18" charset="0"/>
-                          </a:rPr>
-                          <m:t>𝑦</m:t>
-                        </m:r>
-                      </m:sub>
-                      <m:sup>
-                        <m:r>
-                          <a:rPr lang="en-US" altLang="ja-JP" b="0" i="1" smtClean="0">
-                            <a:latin typeface="Cambria Math" panose="02040503050406030204" pitchFamily="18" charset="0"/>
-                          </a:rPr>
-                          <m:t>2</m:t>
-                        </m:r>
-                      </m:sup>
-                    </m:sSubSup>
-                  </m:oMath>
-                </a14:m>
-                <a:r>
-                  <a:rPr kumimoji="1" lang="ja-JP" altLang="en-US" dirty="0"/>
-                  <a:t>の項が増える</a:t>
-                </a:r>
+                <a:endParaRPr kumimoji="1" lang="ja-JP" altLang="en-US" dirty="0"/>
               </a:p>
             </p:txBody>
           </p:sp>
@@ -21273,8 +21120,8 @@
             </p:nvSpPr>
             <p:spPr>
               <a:xfrm>
-                <a:off x="1342289" y="5119394"/>
-                <a:ext cx="4877425" cy="1579407"/>
+                <a:off x="442126" y="4900029"/>
+                <a:ext cx="4152355" cy="1477328"/>
               </a:xfrm>
               <a:prstGeom prst="rect">
                 <a:avLst/>
@@ -21282,7 +21129,7 @@
               <a:blipFill>
                 <a:blip r:embed="rId3"/>
                 <a:stretch>
-                  <a:fillRect l="-1000" t="-1931" r="-500" b="-4633"/>
+                  <a:fillRect l="-1322" t="-2066" r="-587" b="-2479"/>
                 </a:stretch>
               </a:blipFill>
             </p:spPr>
@@ -21317,8 +21164,8 @@
             </p:nvSpPr>
             <p:spPr>
               <a:xfrm>
-                <a:off x="5799124" y="1464336"/>
-                <a:ext cx="4596579" cy="1573892"/>
+                <a:off x="5799124" y="1285395"/>
+                <a:ext cx="3570721" cy="1828962"/>
               </a:xfrm>
               <a:prstGeom prst="rect">
                 <a:avLst/>
@@ -21473,125 +21320,110 @@
                 </a14:m>
                 <a:r>
                   <a:rPr kumimoji="1" lang="ja-JP" altLang="en-US" dirty="0"/>
-                  <a:t>より</a:t>
+                  <a:t>で</a:t>
                 </a:r>
                 <a:endParaRPr kumimoji="1" lang="en-US" altLang="ja-JP" dirty="0"/>
               </a:p>
               <a:p>
-                <a14:m>
-                  <m:oMath xmlns:m="http://schemas.openxmlformats.org/officeDocument/2006/math">
-                    <m:sSubSup>
-                      <m:sSubSupPr>
-                        <m:ctrlPr>
-                          <a:rPr kumimoji="1" lang="en-US" altLang="ja-JP" b="0" i="1" dirty="0" smtClean="0">
-                            <a:latin typeface="Cambria Math" panose="02040503050406030204" pitchFamily="18" charset="0"/>
-                          </a:rPr>
-                        </m:ctrlPr>
-                      </m:sSubSupPr>
-                      <m:e>
-                        <m:r>
-                          <a:rPr kumimoji="1" lang="en-US" altLang="ja-JP" b="0" i="1" dirty="0" smtClean="0">
-                            <a:latin typeface="Cambria Math" panose="02040503050406030204" pitchFamily="18" charset="0"/>
-                          </a:rPr>
-                          <m:t>𝑀</m:t>
-                        </m:r>
-                      </m:e>
-                      <m:sub>
-                        <m:r>
-                          <a:rPr kumimoji="1" lang="en-US" altLang="ja-JP" b="0" i="1" dirty="0" smtClean="0">
-                            <a:latin typeface="Cambria Math" panose="02040503050406030204" pitchFamily="18" charset="0"/>
-                          </a:rPr>
-                          <m:t>22</m:t>
-                        </m:r>
-                      </m:sub>
-                      <m:sup>
-                        <m:r>
-                          <a:rPr kumimoji="1" lang="en-US" altLang="ja-JP" b="0" i="1" dirty="0" smtClean="0">
-                            <a:latin typeface="Cambria Math" panose="02040503050406030204" pitchFamily="18" charset="0"/>
-                          </a:rPr>
-                          <m:t>+</m:t>
-                        </m:r>
-                      </m:sup>
-                    </m:sSubSup>
-                  </m:oMath>
-                </a14:m>
-                <a:r>
-                  <a:rPr kumimoji="1" lang="ja-JP" altLang="en-US" dirty="0"/>
-                  <a:t>の奇パリティ磁気</a:t>
-                </a:r>
-                <a:r>
-                  <a:rPr kumimoji="1" lang="en-US" altLang="ja-JP" dirty="0"/>
-                  <a:t>4</a:t>
-                </a:r>
                 <a:r>
                   <a:rPr lang="ja-JP" altLang="en-US" dirty="0"/>
-                  <a:t>極子が活性</a:t>
+                  <a:t>スピン分裂があるので</a:t>
                 </a:r>
                 <a:endParaRPr lang="en-US" altLang="ja-JP" dirty="0"/>
               </a:p>
               <a:p>
                 <a:r>
+                  <a:rPr kumimoji="1" lang="ja-JP" altLang="en-US" dirty="0"/>
+                  <a:t>電気トロイダル</a:t>
+                </a:r>
+                <a:r>
                   <a:rPr lang="ja-JP" altLang="en-US" dirty="0"/>
-                  <a:t>つまりハミルトニアンに</a:t>
+                  <a:t>四</a:t>
+                </a:r>
+                <a:r>
+                  <a:rPr kumimoji="1" lang="ja-JP" altLang="en-US" dirty="0"/>
+                  <a:t>極子 </a:t>
                 </a:r>
                 <a14:m>
                   <m:oMath xmlns:m="http://schemas.openxmlformats.org/officeDocument/2006/math">
                     <m:sSub>
                       <m:sSubPr>
                         <m:ctrlPr>
-                          <a:rPr lang="en-US" altLang="ja-JP" b="0" i="1" smtClean="0">
+                          <a:rPr kumimoji="1" lang="en-US" altLang="ja-JP" b="0" i="1" smtClean="0">
                             <a:latin typeface="Cambria Math" panose="02040503050406030204" pitchFamily="18" charset="0"/>
                           </a:rPr>
                         </m:ctrlPr>
                       </m:sSubPr>
                       <m:e>
                         <m:r>
-                          <a:rPr lang="en-US" altLang="ja-JP" b="0" i="1" smtClean="0">
+                          <a:rPr kumimoji="1" lang="en-US" altLang="ja-JP" b="0" i="1" smtClean="0">
                             <a:latin typeface="Cambria Math" panose="02040503050406030204" pitchFamily="18" charset="0"/>
                           </a:rPr>
-                          <m:t>𝑘</m:t>
+                          <m:t>𝐺</m:t>
                         </m:r>
                       </m:e>
                       <m:sub>
                         <m:r>
-                          <a:rPr lang="en-US" altLang="ja-JP" b="0" i="1" smtClean="0">
+                          <a:rPr kumimoji="1" lang="en-US" altLang="ja-JP" b="0" i="1" smtClean="0">
                             <a:latin typeface="Cambria Math" panose="02040503050406030204" pitchFamily="18" charset="0"/>
                           </a:rPr>
-                          <m:t>𝑥</m:t>
-                        </m:r>
-                      </m:sub>
-                    </m:sSub>
-                    <m:sSub>
-                      <m:sSubPr>
-                        <m:ctrlPr>
-                          <a:rPr lang="en-US" altLang="ja-JP" b="0" i="1" smtClean="0">
-                            <a:latin typeface="Cambria Math" panose="02040503050406030204" pitchFamily="18" charset="0"/>
-                          </a:rPr>
-                        </m:ctrlPr>
-                      </m:sSubPr>
-                      <m:e>
-                        <m:r>
-                          <a:rPr lang="en-US" altLang="ja-JP" b="0" i="1" smtClean="0">
-                            <a:latin typeface="Cambria Math" panose="02040503050406030204" pitchFamily="18" charset="0"/>
-                          </a:rPr>
-                          <m:t>𝑘</m:t>
-                        </m:r>
-                      </m:e>
-                      <m:sub>
-                        <m:r>
-                          <a:rPr lang="en-US" altLang="ja-JP" b="0" i="1" smtClean="0">
-                            <a:latin typeface="Cambria Math" panose="02040503050406030204" pitchFamily="18" charset="0"/>
-                          </a:rPr>
-                          <m:t>𝑦</m:t>
+                          <m:t>𝑢</m:t>
                         </m:r>
                       </m:sub>
                     </m:sSub>
                   </m:oMath>
                 </a14:m>
                 <a:r>
+                  <a:rPr kumimoji="1" lang="en-US" altLang="ja-JP" dirty="0"/>
+                  <a:t> </a:t>
+                </a:r>
+                <a:r>
                   <a:rPr kumimoji="1" lang="ja-JP" altLang="en-US" dirty="0"/>
-                  <a:t>の項が増える</a:t>
+                  <a:t>が活性</a:t>
                 </a:r>
+                <a:endParaRPr kumimoji="1" lang="en-US" altLang="ja-JP" dirty="0"/>
+              </a:p>
+              <a:p>
+                <a14:m>
+                  <m:oMathPara xmlns:m="http://schemas.openxmlformats.org/officeDocument/2006/math">
+                    <m:oMathParaPr>
+                      <m:jc m:val="centerGroup"/>
+                    </m:oMathParaPr>
+                    <m:oMath xmlns:m="http://schemas.openxmlformats.org/officeDocument/2006/math">
+                      <m:r>
+                        <a:rPr lang="en-US" altLang="ja-JP" i="1" dirty="0" smtClean="0">
+                          <a:latin typeface="Cambria Math" panose="02040503050406030204" pitchFamily="18" charset="0"/>
+                        </a:rPr>
+                        <m:t>(</m:t>
+                      </m:r>
+                      <m:r>
+                        <a:rPr lang="en-US" altLang="ja-JP" i="1" dirty="0" smtClean="0">
+                          <a:latin typeface="Cambria Math" panose="02040503050406030204" pitchFamily="18" charset="0"/>
+                        </a:rPr>
+                        <m:t>𝑃</m:t>
+                      </m:r>
+                      <m:r>
+                        <a:rPr lang="en-US" altLang="ja-JP" i="1" dirty="0" smtClean="0">
+                          <a:latin typeface="Cambria Math" panose="02040503050406030204" pitchFamily="18" charset="0"/>
+                        </a:rPr>
+                        <m:t>=−1,</m:t>
+                      </m:r>
+                      <m:r>
+                        <a:rPr lang="en-US" altLang="ja-JP" i="1" dirty="0" smtClean="0">
+                          <a:latin typeface="Cambria Math" panose="02040503050406030204" pitchFamily="18" charset="0"/>
+                        </a:rPr>
+                        <m:t>𝑇</m:t>
+                      </m:r>
+                      <m:r>
+                        <a:rPr lang="en-US" altLang="ja-JP" i="1" dirty="0" smtClean="0">
+                          <a:latin typeface="Cambria Math" panose="02040503050406030204" pitchFamily="18" charset="0"/>
+                        </a:rPr>
+                        <m:t>=1)</m:t>
+                      </m:r>
+                    </m:oMath>
+                  </m:oMathPara>
+                </a14:m>
+                <a:endParaRPr kumimoji="1" lang="ja-JP" altLang="en-US" dirty="0"/>
               </a:p>
             </p:txBody>
           </p:sp>
@@ -21613,8 +21445,8 @@
             </p:nvSpPr>
             <p:spPr>
               <a:xfrm>
-                <a:off x="5799124" y="1464336"/>
-                <a:ext cx="4596579" cy="1573892"/>
+                <a:off x="5799124" y="1285395"/>
+                <a:ext cx="3570721" cy="1828962"/>
               </a:xfrm>
               <a:prstGeom prst="rect">
                 <a:avLst/>
@@ -21622,7 +21454,7 @@
               <a:blipFill>
                 <a:blip r:embed="rId4"/>
                 <a:stretch>
-                  <a:fillRect l="-1061" t="-1550" r="-531" b="-4651"/>
+                  <a:fillRect l="-1365" t="-1667" r="-853" b="-1667"/>
                 </a:stretch>
               </a:blipFill>
             </p:spPr>

--- a/説明資料/進捗.pptx
+++ b/説明資料/進捗.pptx
@@ -11,6 +11,7 @@
     <p:sldId id="262" r:id="rId5"/>
     <p:sldId id="260" r:id="rId6"/>
     <p:sldId id="261" r:id="rId7"/>
+    <p:sldId id="264" r:id="rId8"/>
   </p:sldIdLst>
   <p:sldSz cx="12192000" cy="6858000"/>
   <p:notesSz cx="6858000" cy="9144000"/>
@@ -264,7 +265,7 @@
           <a:p>
             <a:fld id="{2F54BAFE-1045-4675-A6B0-BE4862724CD5}" type="datetimeFigureOut">
               <a:rPr kumimoji="1" lang="ja-JP" altLang="en-US" smtClean="0"/>
-              <a:t>2025/2/2</a:t>
+              <a:t>2025/2/3</a:t>
             </a:fld>
             <a:endParaRPr kumimoji="1" lang="ja-JP" altLang="en-US"/>
           </a:p>
@@ -494,7 +495,7 @@
           <a:p>
             <a:fld id="{2F54BAFE-1045-4675-A6B0-BE4862724CD5}" type="datetimeFigureOut">
               <a:rPr kumimoji="1" lang="ja-JP" altLang="en-US" smtClean="0"/>
-              <a:t>2025/2/2</a:t>
+              <a:t>2025/2/3</a:t>
             </a:fld>
             <a:endParaRPr kumimoji="1" lang="ja-JP" altLang="en-US"/>
           </a:p>
@@ -734,7 +735,7 @@
           <a:p>
             <a:fld id="{2F54BAFE-1045-4675-A6B0-BE4862724CD5}" type="datetimeFigureOut">
               <a:rPr kumimoji="1" lang="ja-JP" altLang="en-US" smtClean="0"/>
-              <a:t>2025/2/2</a:t>
+              <a:t>2025/2/3</a:t>
             </a:fld>
             <a:endParaRPr kumimoji="1" lang="ja-JP" altLang="en-US"/>
           </a:p>
@@ -974,7 +975,7 @@
           <a:p>
             <a:fld id="{2F54BAFE-1045-4675-A6B0-BE4862724CD5}" type="datetimeFigureOut">
               <a:rPr kumimoji="1" lang="ja-JP" altLang="en-US" smtClean="0"/>
-              <a:t>2025/2/2</a:t>
+              <a:t>2025/2/3</a:t>
             </a:fld>
             <a:endParaRPr kumimoji="1" lang="ja-JP" altLang="en-US"/>
           </a:p>
@@ -1249,7 +1250,7 @@
           <a:p>
             <a:fld id="{2F54BAFE-1045-4675-A6B0-BE4862724CD5}" type="datetimeFigureOut">
               <a:rPr kumimoji="1" lang="ja-JP" altLang="en-US" smtClean="0"/>
-              <a:t>2025/2/2</a:t>
+              <a:t>2025/2/3</a:t>
             </a:fld>
             <a:endParaRPr kumimoji="1" lang="ja-JP" altLang="en-US"/>
           </a:p>
@@ -1583,7 +1584,7 @@
           <a:p>
             <a:fld id="{2F54BAFE-1045-4675-A6B0-BE4862724CD5}" type="datetimeFigureOut">
               <a:rPr kumimoji="1" lang="ja-JP" altLang="en-US" smtClean="0"/>
-              <a:t>2025/2/2</a:t>
+              <a:t>2025/2/3</a:t>
             </a:fld>
             <a:endParaRPr kumimoji="1" lang="ja-JP" altLang="en-US"/>
           </a:p>
@@ -2059,7 +2060,7 @@
           <a:p>
             <a:fld id="{2F54BAFE-1045-4675-A6B0-BE4862724CD5}" type="datetimeFigureOut">
               <a:rPr kumimoji="1" lang="ja-JP" altLang="en-US" smtClean="0"/>
-              <a:t>2025/2/2</a:t>
+              <a:t>2025/2/3</a:t>
             </a:fld>
             <a:endParaRPr kumimoji="1" lang="ja-JP" altLang="en-US"/>
           </a:p>
@@ -2200,7 +2201,7 @@
           <a:p>
             <a:fld id="{2F54BAFE-1045-4675-A6B0-BE4862724CD5}" type="datetimeFigureOut">
               <a:rPr kumimoji="1" lang="ja-JP" altLang="en-US" smtClean="0"/>
-              <a:t>2025/2/2</a:t>
+              <a:t>2025/2/3</a:t>
             </a:fld>
             <a:endParaRPr kumimoji="1" lang="ja-JP" altLang="en-US"/>
           </a:p>
@@ -2313,7 +2314,7 @@
           <a:p>
             <a:fld id="{2F54BAFE-1045-4675-A6B0-BE4862724CD5}" type="datetimeFigureOut">
               <a:rPr kumimoji="1" lang="ja-JP" altLang="en-US" smtClean="0"/>
-              <a:t>2025/2/2</a:t>
+              <a:t>2025/2/3</a:t>
             </a:fld>
             <a:endParaRPr kumimoji="1" lang="ja-JP" altLang="en-US"/>
           </a:p>
@@ -2656,7 +2657,7 @@
           <a:p>
             <a:fld id="{2F54BAFE-1045-4675-A6B0-BE4862724CD5}" type="datetimeFigureOut">
               <a:rPr kumimoji="1" lang="ja-JP" altLang="en-US" smtClean="0"/>
-              <a:t>2025/2/2</a:t>
+              <a:t>2025/2/3</a:t>
             </a:fld>
             <a:endParaRPr kumimoji="1" lang="ja-JP" altLang="en-US"/>
           </a:p>
@@ -2944,7 +2945,7 @@
           <a:p>
             <a:fld id="{2F54BAFE-1045-4675-A6B0-BE4862724CD5}" type="datetimeFigureOut">
               <a:rPr kumimoji="1" lang="ja-JP" altLang="en-US" smtClean="0"/>
-              <a:t>2025/2/2</a:t>
+              <a:t>2025/2/3</a:t>
             </a:fld>
             <a:endParaRPr kumimoji="1" lang="ja-JP" altLang="en-US"/>
           </a:p>
@@ -3217,7 +3218,7 @@
           <a:p>
             <a:fld id="{2F54BAFE-1045-4675-A6B0-BE4862724CD5}" type="datetimeFigureOut">
               <a:rPr kumimoji="1" lang="ja-JP" altLang="en-US" smtClean="0"/>
-              <a:t>2025/2/2</a:t>
+              <a:t>2025/2/3</a:t>
             </a:fld>
             <a:endParaRPr kumimoji="1" lang="ja-JP" altLang="en-US"/>
           </a:p>
@@ -20952,8 +20953,8 @@
           </p:sp>
         </mc:Fallback>
       </mc:AlternateContent>
-      <mc:AlternateContent xmlns:mc="http://schemas.openxmlformats.org/markup-compatibility/2006">
-        <mc:Choice xmlns:a14="http://schemas.microsoft.com/office/drawing/2010/main" Requires="a14">
+      <mc:AlternateContent xmlns:mc="http://schemas.openxmlformats.org/markup-compatibility/2006" xmlns:a14="http://schemas.microsoft.com/office/drawing/2010/main">
+        <mc:Choice Requires="a14">
           <p:sp>
             <p:nvSpPr>
               <p:cNvPr id="1474" name="テキスト ボックス 1473">
@@ -21059,6 +21060,7 @@
                 <a:endParaRPr lang="en-US" altLang="ja-JP" dirty="0"/>
               </a:p>
               <a:p>
+                <a:pPr/>
                 <a14:m>
                   <m:oMathPara xmlns:m="http://schemas.openxmlformats.org/officeDocument/2006/math">
                     <m:oMathParaPr>
@@ -21103,7 +21105,7 @@
             </p:txBody>
           </p:sp>
         </mc:Choice>
-        <mc:Fallback>
+        <mc:Fallback xmlns="">
           <p:sp>
             <p:nvSpPr>
               <p:cNvPr id="1474" name="テキスト ボックス 1473">
@@ -21148,8 +21150,8 @@
           </p:sp>
         </mc:Fallback>
       </mc:AlternateContent>
-      <mc:AlternateContent xmlns:mc="http://schemas.openxmlformats.org/markup-compatibility/2006">
-        <mc:Choice xmlns:a14="http://schemas.microsoft.com/office/drawing/2010/main" Requires="a14">
+      <mc:AlternateContent xmlns:mc="http://schemas.openxmlformats.org/markup-compatibility/2006" xmlns:a14="http://schemas.microsoft.com/office/drawing/2010/main">
+        <mc:Choice Requires="a14">
           <p:sp>
             <p:nvSpPr>
               <p:cNvPr id="1475" name="テキスト ボックス 1474">
@@ -21384,6 +21386,7 @@
                 <a:endParaRPr kumimoji="1" lang="en-US" altLang="ja-JP" dirty="0"/>
               </a:p>
               <a:p>
+                <a:pPr/>
                 <a14:m>
                   <m:oMathPara xmlns:m="http://schemas.openxmlformats.org/officeDocument/2006/math">
                     <m:oMathParaPr>
@@ -21428,7 +21431,7 @@
             </p:txBody>
           </p:sp>
         </mc:Choice>
-        <mc:Fallback>
+        <mc:Fallback xmlns="">
           <p:sp>
             <p:nvSpPr>
               <p:cNvPr id="1475" name="テキスト ボックス 1474">
@@ -21473,8 +21476,8 @@
           </p:sp>
         </mc:Fallback>
       </mc:AlternateContent>
-      <mc:AlternateContent xmlns:mc="http://schemas.openxmlformats.org/markup-compatibility/2006">
-        <mc:Choice xmlns:a14="http://schemas.microsoft.com/office/drawing/2010/main" Requires="a14">
+      <mc:AlternateContent xmlns:mc="http://schemas.openxmlformats.org/markup-compatibility/2006" xmlns:a14="http://schemas.microsoft.com/office/drawing/2010/main">
+        <mc:Choice Requires="a14">
           <p:sp>
             <p:nvSpPr>
               <p:cNvPr id="1477" name="テキスト ボックス 1476">
@@ -21580,7 +21583,7 @@
             </p:txBody>
           </p:sp>
         </mc:Choice>
-        <mc:Fallback>
+        <mc:Fallback xmlns="">
           <p:sp>
             <p:nvSpPr>
               <p:cNvPr id="1477" name="テキスト ボックス 1476">
@@ -27578,10 +27581,2166 @@
           </mc:Fallback>
         </mc:AlternateContent>
       </p:grpSp>
+      <p:pic>
+        <p:nvPicPr>
+          <p:cNvPr id="1026" name="Picture 2">
+            <a:extLst>
+              <a:ext uri="{FF2B5EF4-FFF2-40B4-BE49-F238E27FC236}">
+                <a16:creationId xmlns:a16="http://schemas.microsoft.com/office/drawing/2014/main" id="{0D81AFE9-ECC3-FE75-ED9D-D01D2E6CD0CA}"/>
+              </a:ext>
+            </a:extLst>
+          </p:cNvPr>
+          <p:cNvPicPr>
+            <a:picLocks noChangeAspect="1" noChangeArrowheads="1"/>
+          </p:cNvPicPr>
+          <p:nvPr/>
+        </p:nvPicPr>
+        <p:blipFill>
+          <a:blip r:embed="rId25">
+            <a:extLst>
+              <a:ext uri="{28A0092B-C50C-407E-A947-70E740481C1C}">
+                <a14:useLocalDpi xmlns:a14="http://schemas.microsoft.com/office/drawing/2010/main" val="0"/>
+              </a:ext>
+            </a:extLst>
+          </a:blip>
+          <a:srcRect/>
+          <a:stretch/>
+        </p:blipFill>
+        <p:spPr bwMode="auto">
+          <a:xfrm>
+            <a:off x="4129087" y="5398874"/>
+            <a:ext cx="3352800" cy="230615"/>
+          </a:xfrm>
+          <a:prstGeom prst="rect">
+            <a:avLst/>
+          </a:prstGeom>
+          <a:noFill/>
+          <a:extLst>
+            <a:ext uri="{909E8E84-426E-40DD-AFC4-6F175D3DCCD1}">
+              <a14:hiddenFill xmlns:a14="http://schemas.microsoft.com/office/drawing/2010/main">
+                <a:solidFill>
+                  <a:srgbClr val="FFFFFF"/>
+                </a:solidFill>
+              </a14:hiddenFill>
+            </a:ext>
+          </a:extLst>
+        </p:spPr>
+      </p:pic>
     </p:spTree>
     <p:extLst>
       <p:ext uri="{BB962C8B-B14F-4D97-AF65-F5344CB8AC3E}">
         <p14:creationId xmlns:p14="http://schemas.microsoft.com/office/powerpoint/2010/main" val="566145436"/>
+      </p:ext>
+    </p:extLst>
+  </p:cSld>
+  <p:clrMapOvr>
+    <a:masterClrMapping/>
+  </p:clrMapOvr>
+</p:sld>
+</file>
+
+<file path=ppt/slides/slide7.xml><?xml version="1.0" encoding="utf-8"?>
+<p:sld xmlns:a="http://schemas.openxmlformats.org/drawingml/2006/main" xmlns:r="http://schemas.openxmlformats.org/officeDocument/2006/relationships" xmlns:p="http://schemas.openxmlformats.org/presentationml/2006/main">
+  <p:cSld>
+    <p:spTree>
+      <p:nvGrpSpPr>
+        <p:cNvPr id="1" name="">
+          <a:extLst>
+            <a:ext uri="{FF2B5EF4-FFF2-40B4-BE49-F238E27FC236}">
+              <a16:creationId xmlns:a16="http://schemas.microsoft.com/office/drawing/2014/main" id="{6A61F828-31E7-FE27-E9CE-31D57B5371B1}"/>
+            </a:ext>
+          </a:extLst>
+        </p:cNvPr>
+        <p:cNvGrpSpPr/>
+        <p:nvPr/>
+      </p:nvGrpSpPr>
+      <p:grpSpPr>
+        <a:xfrm>
+          <a:off x="0" y="0"/>
+          <a:ext cx="0" cy="0"/>
+          <a:chOff x="0" y="0"/>
+          <a:chExt cx="0" cy="0"/>
+        </a:xfrm>
+      </p:grpSpPr>
+      <p:sp>
+        <p:nvSpPr>
+          <p:cNvPr id="2" name="タイトル 1">
+            <a:extLst>
+              <a:ext uri="{FF2B5EF4-FFF2-40B4-BE49-F238E27FC236}">
+                <a16:creationId xmlns:a16="http://schemas.microsoft.com/office/drawing/2014/main" id="{78E5E2BE-011E-AECB-C793-EC453B63E00F}"/>
+              </a:ext>
+            </a:extLst>
+          </p:cNvPr>
+          <p:cNvSpPr>
+            <a:spLocks noGrp="1"/>
+          </p:cNvSpPr>
+          <p:nvPr>
+            <p:ph type="title"/>
+          </p:nvPr>
+        </p:nvSpPr>
+        <p:spPr>
+          <a:xfrm>
+            <a:off x="0" y="18255"/>
+            <a:ext cx="7620739" cy="1325563"/>
+          </a:xfrm>
+        </p:spPr>
+        <p:txBody>
+          <a:bodyPr/>
+          <a:lstStyle/>
+          <a:p>
+            <a:r>
+              <a:rPr kumimoji="1" lang="ja-JP" altLang="en-US" dirty="0"/>
+              <a:t>既約表現と多極子</a:t>
+            </a:r>
+          </a:p>
+        </p:txBody>
+      </p:sp>
+      <mc:AlternateContent xmlns:mc="http://schemas.openxmlformats.org/markup-compatibility/2006" xmlns:a14="http://schemas.microsoft.com/office/drawing/2010/main">
+        <mc:Choice Requires="a14">
+          <p:sp>
+            <p:nvSpPr>
+              <p:cNvPr id="5" name="テキスト ボックス 4">
+                <a:extLst>
+                  <a:ext uri="{FF2B5EF4-FFF2-40B4-BE49-F238E27FC236}">
+                    <a16:creationId xmlns:a16="http://schemas.microsoft.com/office/drawing/2014/main" id="{7A19E8DB-5351-004F-C0F4-795BAA724E38}"/>
+                  </a:ext>
+                </a:extLst>
+              </p:cNvPr>
+              <p:cNvSpPr txBox="1"/>
+              <p:nvPr/>
+            </p:nvSpPr>
+            <p:spPr>
+              <a:xfrm>
+                <a:off x="0" y="1805483"/>
+                <a:ext cx="9760814" cy="524887"/>
+              </a:xfrm>
+              <a:prstGeom prst="rect">
+                <a:avLst/>
+              </a:prstGeom>
+              <a:noFill/>
+            </p:spPr>
+            <p:txBody>
+              <a:bodyPr wrap="none" rtlCol="0">
+                <a:spAutoFit/>
+              </a:bodyPr>
+              <a:lstStyle/>
+              <a:p>
+                <a:pPr/>
+                <a14:m>
+                  <m:oMathPara xmlns:m="http://schemas.openxmlformats.org/officeDocument/2006/math">
+                    <m:oMathParaPr>
+                      <m:jc m:val="centerGroup"/>
+                    </m:oMathParaPr>
+                    <m:oMath xmlns:m="http://schemas.openxmlformats.org/officeDocument/2006/math">
+                      <m:d>
+                        <m:dPr>
+                          <m:ctrlPr>
+                            <a:rPr kumimoji="1" lang="en-US" altLang="ja-JP" sz="2400" b="0" i="1" smtClean="0">
+                              <a:latin typeface="Cambria Math" panose="02040503050406030204" pitchFamily="18" charset="0"/>
+                            </a:rPr>
+                          </m:ctrlPr>
+                        </m:dPr>
+                        <m:e>
+                          <m:r>
+                            <a:rPr kumimoji="1" lang="en-US" altLang="ja-JP" sz="2400" b="0" i="1" smtClean="0">
+                              <a:latin typeface="Cambria Math" panose="02040503050406030204" pitchFamily="18" charset="0"/>
+                            </a:rPr>
+                            <m:t>2</m:t>
+                          </m:r>
+                          <m:sSub>
+                            <m:sSubPr>
+                              <m:ctrlPr>
+                                <a:rPr kumimoji="1" lang="en-US" altLang="ja-JP" sz="2400" b="0" i="1" smtClean="0">
+                                  <a:latin typeface="Cambria Math" panose="02040503050406030204" pitchFamily="18" charset="0"/>
+                                </a:rPr>
+                              </m:ctrlPr>
+                            </m:sSubPr>
+                            <m:e>
+                              <m:r>
+                                <a:rPr kumimoji="1" lang="en-US" altLang="ja-JP" sz="2400" b="0" i="1" smtClean="0">
+                                  <a:latin typeface="Cambria Math" panose="02040503050406030204" pitchFamily="18" charset="0"/>
+                                </a:rPr>
+                                <m:t>𝐵</m:t>
+                              </m:r>
+                            </m:e>
+                            <m:sub>
+                              <m:r>
+                                <a:rPr kumimoji="1" lang="en-US" altLang="ja-JP" sz="2400" b="0" i="1" smtClean="0">
+                                  <a:latin typeface="Cambria Math" panose="02040503050406030204" pitchFamily="18" charset="0"/>
+                                </a:rPr>
+                                <m:t>1</m:t>
+                              </m:r>
+                              <m:r>
+                                <a:rPr kumimoji="1" lang="en-US" altLang="ja-JP" sz="2400" b="0" i="1" smtClean="0">
+                                  <a:latin typeface="Cambria Math" panose="02040503050406030204" pitchFamily="18" charset="0"/>
+                                </a:rPr>
+                                <m:t>𝑔</m:t>
+                              </m:r>
+                            </m:sub>
+                          </m:sSub>
+                          <m:r>
+                            <a:rPr kumimoji="1" lang="en-US" altLang="ja-JP" sz="2400" b="0" i="1" smtClean="0">
+                              <a:latin typeface="Cambria Math" panose="02040503050406030204" pitchFamily="18" charset="0"/>
+                            </a:rPr>
+                            <m:t>⊕2</m:t>
+                          </m:r>
+                          <m:sSub>
+                            <m:sSubPr>
+                              <m:ctrlPr>
+                                <a:rPr kumimoji="1" lang="en-US" altLang="ja-JP" sz="2400" b="0" i="1" smtClean="0">
+                                  <a:latin typeface="Cambria Math" panose="02040503050406030204" pitchFamily="18" charset="0"/>
+                                </a:rPr>
+                              </m:ctrlPr>
+                            </m:sSubPr>
+                            <m:e>
+                              <m:r>
+                                <a:rPr kumimoji="1" lang="en-US" altLang="ja-JP" sz="2400" b="0" i="1" smtClean="0">
+                                  <a:latin typeface="Cambria Math" panose="02040503050406030204" pitchFamily="18" charset="0"/>
+                                </a:rPr>
+                                <m:t>𝐸</m:t>
+                              </m:r>
+                            </m:e>
+                            <m:sub>
+                              <m:r>
+                                <a:rPr kumimoji="1" lang="en-US" altLang="ja-JP" sz="2400" b="0" i="1" smtClean="0">
+                                  <a:latin typeface="Cambria Math" panose="02040503050406030204" pitchFamily="18" charset="0"/>
+                                </a:rPr>
+                                <m:t>𝑢</m:t>
+                              </m:r>
+                            </m:sub>
+                          </m:sSub>
+                        </m:e>
+                      </m:d>
+                      <m:r>
+                        <a:rPr lang="en-US" altLang="ja-JP" sz="2400" b="0" i="1" smtClean="0">
+                          <a:latin typeface="Cambria Math" panose="02040503050406030204" pitchFamily="18" charset="0"/>
+                        </a:rPr>
+                        <m:t>⊗</m:t>
+                      </m:r>
+                      <m:d>
+                        <m:dPr>
+                          <m:ctrlPr>
+                            <a:rPr lang="en-US" altLang="ja-JP" sz="2400" i="1">
+                              <a:latin typeface="Cambria Math" panose="02040503050406030204" pitchFamily="18" charset="0"/>
+                            </a:rPr>
+                          </m:ctrlPr>
+                        </m:dPr>
+                        <m:e>
+                          <m:r>
+                            <a:rPr lang="en-US" altLang="ja-JP" sz="2400" i="1">
+                              <a:latin typeface="Cambria Math" panose="02040503050406030204" pitchFamily="18" charset="0"/>
+                            </a:rPr>
+                            <m:t>2</m:t>
+                          </m:r>
+                          <m:sSub>
+                            <m:sSubPr>
+                              <m:ctrlPr>
+                                <a:rPr lang="en-US" altLang="ja-JP" sz="2400" i="1">
+                                  <a:latin typeface="Cambria Math" panose="02040503050406030204" pitchFamily="18" charset="0"/>
+                                </a:rPr>
+                              </m:ctrlPr>
+                            </m:sSubPr>
+                            <m:e>
+                              <m:r>
+                                <a:rPr lang="en-US" altLang="ja-JP" sz="2400" b="0" i="1" smtClean="0">
+                                  <a:latin typeface="Cambria Math" panose="02040503050406030204" pitchFamily="18" charset="0"/>
+                                </a:rPr>
+                                <m:t>𝐵</m:t>
+                              </m:r>
+                            </m:e>
+                            <m:sub>
+                              <m:r>
+                                <a:rPr lang="en-US" altLang="ja-JP" sz="2400" b="0" i="1" smtClean="0">
+                                  <a:latin typeface="Cambria Math" panose="02040503050406030204" pitchFamily="18" charset="0"/>
+                                </a:rPr>
+                                <m:t>1</m:t>
+                              </m:r>
+                              <m:r>
+                                <a:rPr lang="en-US" altLang="ja-JP" sz="2400" i="1">
+                                  <a:latin typeface="Cambria Math" panose="02040503050406030204" pitchFamily="18" charset="0"/>
+                                </a:rPr>
+                                <m:t>𝑔</m:t>
+                              </m:r>
+                            </m:sub>
+                          </m:sSub>
+                          <m:r>
+                            <a:rPr lang="en-US" altLang="ja-JP" sz="2400" i="1">
+                              <a:latin typeface="Cambria Math" panose="02040503050406030204" pitchFamily="18" charset="0"/>
+                            </a:rPr>
+                            <m:t>⊕2</m:t>
+                          </m:r>
+                          <m:sSub>
+                            <m:sSubPr>
+                              <m:ctrlPr>
+                                <a:rPr lang="en-US" altLang="ja-JP" sz="2400" i="1">
+                                  <a:latin typeface="Cambria Math" panose="02040503050406030204" pitchFamily="18" charset="0"/>
+                                </a:rPr>
+                              </m:ctrlPr>
+                            </m:sSubPr>
+                            <m:e>
+                              <m:r>
+                                <a:rPr lang="en-US" altLang="ja-JP" sz="2400" i="1">
+                                  <a:latin typeface="Cambria Math" panose="02040503050406030204" pitchFamily="18" charset="0"/>
+                                </a:rPr>
+                                <m:t>𝐸</m:t>
+                              </m:r>
+                            </m:e>
+                            <m:sub>
+                              <m:r>
+                                <a:rPr lang="en-US" altLang="ja-JP" sz="2400" i="1">
+                                  <a:latin typeface="Cambria Math" panose="02040503050406030204" pitchFamily="18" charset="0"/>
+                                </a:rPr>
+                                <m:t>𝑢</m:t>
+                              </m:r>
+                            </m:sub>
+                          </m:sSub>
+                        </m:e>
+                      </m:d>
+                      <m:r>
+                        <a:rPr lang="en-US" altLang="ja-JP" sz="2400" b="0" i="0" smtClean="0">
+                          <a:latin typeface="Cambria Math" panose="02040503050406030204" pitchFamily="18" charset="0"/>
+                        </a:rPr>
+                        <m:t>=</m:t>
+                      </m:r>
+                      <m:r>
+                        <a:rPr lang="en-US" altLang="ja-JP" sz="2400" b="0" i="1" smtClean="0">
+                          <a:latin typeface="Cambria Math" panose="02040503050406030204" pitchFamily="18" charset="0"/>
+                        </a:rPr>
+                        <m:t>8</m:t>
+                      </m:r>
+                      <m:sSubSup>
+                        <m:sSubSupPr>
+                          <m:ctrlPr>
+                            <a:rPr lang="en-US" altLang="ja-JP" sz="2400" b="0" i="1" smtClean="0">
+                              <a:latin typeface="Cambria Math" panose="02040503050406030204" pitchFamily="18" charset="0"/>
+                            </a:rPr>
+                          </m:ctrlPr>
+                        </m:sSubSupPr>
+                        <m:e>
+                          <m:r>
+                            <a:rPr lang="en-US" altLang="ja-JP" sz="2400" b="0" i="1" smtClean="0">
+                              <a:latin typeface="Cambria Math" panose="02040503050406030204" pitchFamily="18" charset="0"/>
+                            </a:rPr>
+                            <m:t>𝐴</m:t>
+                          </m:r>
+                        </m:e>
+                        <m:sub>
+                          <m:r>
+                            <a:rPr lang="en-US" altLang="ja-JP" sz="2400" b="0" i="1" smtClean="0">
+                              <a:latin typeface="Cambria Math" panose="02040503050406030204" pitchFamily="18" charset="0"/>
+                            </a:rPr>
+                            <m:t>1</m:t>
+                          </m:r>
+                          <m:r>
+                            <a:rPr lang="en-US" altLang="ja-JP" sz="2400" b="0" i="1" smtClean="0">
+                              <a:latin typeface="Cambria Math" panose="02040503050406030204" pitchFamily="18" charset="0"/>
+                            </a:rPr>
+                            <m:t>𝑔</m:t>
+                          </m:r>
+                        </m:sub>
+                        <m:sup>
+                          <m:r>
+                            <a:rPr lang="en-US" altLang="ja-JP" sz="2400" b="0" i="1" smtClean="0">
+                              <a:latin typeface="Cambria Math" panose="02040503050406030204" pitchFamily="18" charset="0"/>
+                            </a:rPr>
+                            <m:t>+</m:t>
+                          </m:r>
+                        </m:sup>
+                      </m:sSubSup>
+                      <m:r>
+                        <a:rPr lang="en-US" altLang="ja-JP" sz="2400" b="0" i="1" smtClean="0">
+                          <a:latin typeface="Cambria Math" panose="02040503050406030204" pitchFamily="18" charset="0"/>
+                        </a:rPr>
+                        <m:t>⊕4</m:t>
+                      </m:r>
+                      <m:sSubSup>
+                        <m:sSubSupPr>
+                          <m:ctrlPr>
+                            <a:rPr lang="en-US" altLang="ja-JP" sz="2400" b="0" i="1" smtClean="0">
+                              <a:latin typeface="Cambria Math" panose="02040503050406030204" pitchFamily="18" charset="0"/>
+                            </a:rPr>
+                          </m:ctrlPr>
+                        </m:sSubSupPr>
+                        <m:e>
+                          <m:r>
+                            <a:rPr lang="en-US" altLang="ja-JP" sz="2400" b="0" i="1" smtClean="0">
+                              <a:latin typeface="Cambria Math" panose="02040503050406030204" pitchFamily="18" charset="0"/>
+                            </a:rPr>
+                            <m:t>𝐴</m:t>
+                          </m:r>
+                        </m:e>
+                        <m:sub>
+                          <m:r>
+                            <a:rPr lang="en-US" altLang="ja-JP" sz="2400" b="0" i="1" smtClean="0">
+                              <a:latin typeface="Cambria Math" panose="02040503050406030204" pitchFamily="18" charset="0"/>
+                            </a:rPr>
+                            <m:t>2</m:t>
+                          </m:r>
+                          <m:r>
+                            <a:rPr lang="en-US" altLang="ja-JP" sz="2400" b="0" i="1" smtClean="0">
+                              <a:latin typeface="Cambria Math" panose="02040503050406030204" pitchFamily="18" charset="0"/>
+                            </a:rPr>
+                            <m:t>𝑔</m:t>
+                          </m:r>
+                        </m:sub>
+                        <m:sup>
+                          <m:r>
+                            <a:rPr lang="en-US" altLang="ja-JP" sz="2400" b="0" i="1" smtClean="0">
+                              <a:latin typeface="Cambria Math" panose="02040503050406030204" pitchFamily="18" charset="0"/>
+                            </a:rPr>
+                            <m:t>−</m:t>
+                          </m:r>
+                        </m:sup>
+                      </m:sSubSup>
+                      <m:r>
+                        <a:rPr lang="en-US" altLang="ja-JP" sz="2400" b="0" i="1" smtClean="0">
+                          <a:latin typeface="Cambria Math" panose="02040503050406030204" pitchFamily="18" charset="0"/>
+                        </a:rPr>
+                        <m:t>⊕4</m:t>
+                      </m:r>
+                      <m:sSubSup>
+                        <m:sSubSupPr>
+                          <m:ctrlPr>
+                            <a:rPr lang="en-US" altLang="ja-JP" sz="2400" b="0" i="1" smtClean="0">
+                              <a:latin typeface="Cambria Math" panose="02040503050406030204" pitchFamily="18" charset="0"/>
+                            </a:rPr>
+                          </m:ctrlPr>
+                        </m:sSubSupPr>
+                        <m:e>
+                          <m:r>
+                            <a:rPr lang="en-US" altLang="ja-JP" sz="2400" b="0" i="1" smtClean="0">
+                              <a:latin typeface="Cambria Math" panose="02040503050406030204" pitchFamily="18" charset="0"/>
+                            </a:rPr>
+                            <m:t>𝐵</m:t>
+                          </m:r>
+                        </m:e>
+                        <m:sub>
+                          <m:r>
+                            <a:rPr lang="en-US" altLang="ja-JP" sz="2400" b="0" i="1" smtClean="0">
+                              <a:latin typeface="Cambria Math" panose="02040503050406030204" pitchFamily="18" charset="0"/>
+                            </a:rPr>
+                            <m:t>1</m:t>
+                          </m:r>
+                          <m:r>
+                            <a:rPr lang="en-US" altLang="ja-JP" sz="2400" b="0" i="1" smtClean="0">
+                              <a:latin typeface="Cambria Math" panose="02040503050406030204" pitchFamily="18" charset="0"/>
+                            </a:rPr>
+                            <m:t>𝑔</m:t>
+                          </m:r>
+                        </m:sub>
+                        <m:sup>
+                          <m:r>
+                            <a:rPr lang="en-US" altLang="ja-JP" sz="2400" b="0" i="1" smtClean="0">
+                              <a:latin typeface="Cambria Math" panose="02040503050406030204" pitchFamily="18" charset="0"/>
+                            </a:rPr>
+                            <m:t>+</m:t>
+                          </m:r>
+                        </m:sup>
+                      </m:sSubSup>
+                      <m:r>
+                        <a:rPr lang="en-US" altLang="ja-JP" sz="2400" b="0" i="1" smtClean="0">
+                          <a:latin typeface="Cambria Math" panose="02040503050406030204" pitchFamily="18" charset="0"/>
+                        </a:rPr>
+                        <m:t>⊕4</m:t>
+                      </m:r>
+                      <m:sSubSup>
+                        <m:sSubSupPr>
+                          <m:ctrlPr>
+                            <a:rPr lang="en-US" altLang="ja-JP" sz="2400" b="0" i="1" smtClean="0">
+                              <a:latin typeface="Cambria Math" panose="02040503050406030204" pitchFamily="18" charset="0"/>
+                            </a:rPr>
+                          </m:ctrlPr>
+                        </m:sSubSupPr>
+                        <m:e>
+                          <m:r>
+                            <a:rPr lang="en-US" altLang="ja-JP" sz="2400" b="0" i="1" smtClean="0">
+                              <a:latin typeface="Cambria Math" panose="02040503050406030204" pitchFamily="18" charset="0"/>
+                            </a:rPr>
+                            <m:t>𝐵</m:t>
+                          </m:r>
+                        </m:e>
+                        <m:sub>
+                          <m:r>
+                            <a:rPr lang="en-US" altLang="ja-JP" sz="2400" b="0" i="1" smtClean="0">
+                              <a:latin typeface="Cambria Math" panose="02040503050406030204" pitchFamily="18" charset="0"/>
+                            </a:rPr>
+                            <m:t>2</m:t>
+                          </m:r>
+                          <m:r>
+                            <a:rPr lang="en-US" altLang="ja-JP" sz="2400" b="0" i="1" smtClean="0">
+                              <a:latin typeface="Cambria Math" panose="02040503050406030204" pitchFamily="18" charset="0"/>
+                            </a:rPr>
+                            <m:t>𝑔</m:t>
+                          </m:r>
+                        </m:sub>
+                        <m:sup>
+                          <m:r>
+                            <a:rPr lang="en-US" altLang="ja-JP" sz="2400" b="0" i="1" smtClean="0">
+                              <a:latin typeface="Cambria Math" panose="02040503050406030204" pitchFamily="18" charset="0"/>
+                            </a:rPr>
+                            <m:t>+</m:t>
+                          </m:r>
+                        </m:sup>
+                      </m:sSubSup>
+                      <m:r>
+                        <a:rPr lang="en-US" altLang="ja-JP" sz="2400" b="0" i="1" smtClean="0">
+                          <a:latin typeface="Cambria Math" panose="02040503050406030204" pitchFamily="18" charset="0"/>
+                        </a:rPr>
+                        <m:t>⊕8</m:t>
+                      </m:r>
+                      <m:sSub>
+                        <m:sSubPr>
+                          <m:ctrlPr>
+                            <a:rPr lang="en-US" altLang="ja-JP" sz="2400" b="0" i="1" smtClean="0">
+                              <a:latin typeface="Cambria Math" panose="02040503050406030204" pitchFamily="18" charset="0"/>
+                            </a:rPr>
+                          </m:ctrlPr>
+                        </m:sSubPr>
+                        <m:e>
+                          <m:r>
+                            <a:rPr lang="en-US" altLang="ja-JP" sz="2400" b="0" i="1" smtClean="0">
+                              <a:latin typeface="Cambria Math" panose="02040503050406030204" pitchFamily="18" charset="0"/>
+                            </a:rPr>
+                            <m:t>𝐸</m:t>
+                          </m:r>
+                        </m:e>
+                        <m:sub>
+                          <m:r>
+                            <a:rPr lang="en-US" altLang="ja-JP" sz="2400" b="0" i="1" smtClean="0">
+                              <a:latin typeface="Cambria Math" panose="02040503050406030204" pitchFamily="18" charset="0"/>
+                            </a:rPr>
+                            <m:t>𝑢</m:t>
+                          </m:r>
+                        </m:sub>
+                      </m:sSub>
+                    </m:oMath>
+                  </m:oMathPara>
+                </a14:m>
+                <a:endParaRPr kumimoji="1" lang="en-US" altLang="ja-JP" sz="2400" i="1" dirty="0"/>
+              </a:p>
+            </p:txBody>
+          </p:sp>
+        </mc:Choice>
+        <mc:Fallback xmlns="">
+          <p:sp>
+            <p:nvSpPr>
+              <p:cNvPr id="5" name="テキスト ボックス 4">
+                <a:extLst>
+                  <a:ext uri="{FF2B5EF4-FFF2-40B4-BE49-F238E27FC236}">
+                    <a16:creationId xmlns:a16="http://schemas.microsoft.com/office/drawing/2014/main" id="{7A19E8DB-5351-004F-C0F4-795BAA724E38}"/>
+                  </a:ext>
+                </a:extLst>
+              </p:cNvPr>
+              <p:cNvSpPr txBox="1">
+                <a:spLocks noRot="1" noChangeAspect="1" noMove="1" noResize="1" noEditPoints="1" noAdjustHandles="1" noChangeArrowheads="1" noChangeShapeType="1" noTextEdit="1"/>
+              </p:cNvSpPr>
+              <p:nvPr/>
+            </p:nvSpPr>
+            <p:spPr>
+              <a:xfrm>
+                <a:off x="0" y="1805483"/>
+                <a:ext cx="9760814" cy="524887"/>
+              </a:xfrm>
+              <a:prstGeom prst="rect">
+                <a:avLst/>
+              </a:prstGeom>
+              <a:blipFill>
+                <a:blip r:embed="rId2"/>
+                <a:stretch>
+                  <a:fillRect/>
+                </a:stretch>
+              </a:blipFill>
+            </p:spPr>
+            <p:txBody>
+              <a:bodyPr/>
+              <a:lstStyle/>
+              <a:p>
+                <a:r>
+                  <a:rPr lang="ja-JP" altLang="en-US">
+                    <a:noFill/>
+                  </a:rPr>
+                  <a:t> </a:t>
+                </a:r>
+              </a:p>
+            </p:txBody>
+          </p:sp>
+        </mc:Fallback>
+      </mc:AlternateContent>
+      <mc:AlternateContent xmlns:mc="http://schemas.openxmlformats.org/markup-compatibility/2006" xmlns:a14="http://schemas.microsoft.com/office/drawing/2010/main">
+        <mc:Choice Requires="a14">
+          <p:sp>
+            <p:nvSpPr>
+              <p:cNvPr id="8" name="テキスト ボックス 7">
+                <a:extLst>
+                  <a:ext uri="{FF2B5EF4-FFF2-40B4-BE49-F238E27FC236}">
+                    <a16:creationId xmlns:a16="http://schemas.microsoft.com/office/drawing/2014/main" id="{D0434F89-E26C-FFF1-29FA-70168EB4353C}"/>
+                  </a:ext>
+                </a:extLst>
+              </p:cNvPr>
+              <p:cNvSpPr txBox="1"/>
+              <p:nvPr/>
+            </p:nvSpPr>
+            <p:spPr>
+              <a:xfrm>
+                <a:off x="0" y="2323638"/>
+                <a:ext cx="9325117" cy="2687018"/>
+              </a:xfrm>
+              <a:prstGeom prst="rect">
+                <a:avLst/>
+              </a:prstGeom>
+              <a:noFill/>
+            </p:spPr>
+            <p:txBody>
+              <a:bodyPr wrap="none" rtlCol="0">
+                <a:spAutoFit/>
+              </a:bodyPr>
+              <a:lstStyle/>
+              <a:p>
+                <a:r>
+                  <a:rPr lang="ja-JP" altLang="en-US" sz="2400" dirty="0">
+                    <a:latin typeface="Cambria Math" panose="02040503050406030204" pitchFamily="18" charset="0"/>
+                  </a:rPr>
+                  <a:t>対応する多極子は以下の通りである</a:t>
+                </a:r>
+                <a:endParaRPr kumimoji="1" lang="en-US" altLang="ja-JP" sz="2400" b="0" dirty="0">
+                  <a:latin typeface="Cambria Math" panose="02040503050406030204" pitchFamily="18" charset="0"/>
+                </a:endParaRPr>
+              </a:p>
+              <a:p>
+                <a:pPr/>
+                <a14:m>
+                  <m:oMathPara xmlns:m="http://schemas.openxmlformats.org/officeDocument/2006/math">
+                    <m:oMathParaPr>
+                      <m:jc m:val="centerGroup"/>
+                    </m:oMathParaPr>
+                    <m:oMath xmlns:m="http://schemas.openxmlformats.org/officeDocument/2006/math">
+                      <m:r>
+                        <a:rPr kumimoji="1" lang="en-US" altLang="ja-JP" sz="2400" b="0" i="1" smtClean="0">
+                          <a:latin typeface="Cambria Math" panose="02040503050406030204" pitchFamily="18" charset="0"/>
+                        </a:rPr>
+                        <m:t> </m:t>
+                      </m:r>
+                      <m:sSub>
+                        <m:sSubPr>
+                          <m:ctrlPr>
+                            <a:rPr kumimoji="1" lang="en-US" altLang="ja-JP" sz="2400" b="0" i="1" smtClean="0">
+                              <a:latin typeface="Cambria Math" panose="02040503050406030204" pitchFamily="18" charset="0"/>
+                            </a:rPr>
+                          </m:ctrlPr>
+                        </m:sSubPr>
+                        <m:e>
+                          <m:r>
+                            <a:rPr kumimoji="1" lang="en-US" altLang="ja-JP" sz="2400" b="0" i="1" smtClean="0">
+                              <a:latin typeface="Cambria Math" panose="02040503050406030204" pitchFamily="18" charset="0"/>
+                            </a:rPr>
+                            <m:t>𝐴</m:t>
+                          </m:r>
+                        </m:e>
+                        <m:sub>
+                          <m:r>
+                            <a:rPr kumimoji="1" lang="en-US" altLang="ja-JP" sz="2400" b="0" i="1" smtClean="0">
+                              <a:latin typeface="Cambria Math" panose="02040503050406030204" pitchFamily="18" charset="0"/>
+                            </a:rPr>
+                            <m:t>1</m:t>
+                          </m:r>
+                          <m:r>
+                            <a:rPr kumimoji="1" lang="en-US" altLang="ja-JP" sz="2400" b="0" i="1" smtClean="0">
+                              <a:latin typeface="Cambria Math" panose="02040503050406030204" pitchFamily="18" charset="0"/>
+                            </a:rPr>
+                            <m:t>𝑔</m:t>
+                          </m:r>
+                        </m:sub>
+                      </m:sSub>
+                      <m:r>
+                        <a:rPr kumimoji="1" lang="en-US" altLang="ja-JP" sz="2400" b="0" i="1" smtClean="0">
+                          <a:latin typeface="Cambria Math" panose="02040503050406030204" pitchFamily="18" charset="0"/>
+                        </a:rPr>
+                        <m:t>:</m:t>
+                      </m:r>
+                      <m:sSub>
+                        <m:sSubPr>
+                          <m:ctrlPr>
+                            <a:rPr kumimoji="1" lang="en-US" altLang="ja-JP" sz="2400" b="0" i="1" smtClean="0">
+                              <a:latin typeface="Cambria Math" panose="02040503050406030204" pitchFamily="18" charset="0"/>
+                            </a:rPr>
+                          </m:ctrlPr>
+                        </m:sSubPr>
+                        <m:e>
+                          <m:r>
+                            <a:rPr kumimoji="1" lang="en-US" altLang="ja-JP" sz="2400" b="0" i="1" smtClean="0">
+                              <a:latin typeface="Cambria Math" panose="02040503050406030204" pitchFamily="18" charset="0"/>
+                            </a:rPr>
+                            <m:t>𝑄</m:t>
+                          </m:r>
+                        </m:e>
+                        <m:sub>
+                          <m:r>
+                            <a:rPr kumimoji="1" lang="en-US" altLang="ja-JP" sz="2400" b="0" i="1" smtClean="0">
+                              <a:latin typeface="Cambria Math" panose="02040503050406030204" pitchFamily="18" charset="0"/>
+                            </a:rPr>
+                            <m:t>0</m:t>
+                          </m:r>
+                        </m:sub>
+                      </m:sSub>
+                      <m:r>
+                        <a:rPr kumimoji="1" lang="en-US" altLang="ja-JP" sz="2400" b="0" i="1" smtClean="0">
+                          <a:latin typeface="Cambria Math" panose="02040503050406030204" pitchFamily="18" charset="0"/>
+                        </a:rPr>
+                        <m:t>, </m:t>
+                      </m:r>
+                      <m:sSub>
+                        <m:sSubPr>
+                          <m:ctrlPr>
+                            <a:rPr kumimoji="1" lang="en-US" altLang="ja-JP" sz="2400" b="0" i="1" smtClean="0">
+                              <a:latin typeface="Cambria Math" panose="02040503050406030204" pitchFamily="18" charset="0"/>
+                            </a:rPr>
+                          </m:ctrlPr>
+                        </m:sSubPr>
+                        <m:e>
+                          <m:r>
+                            <a:rPr kumimoji="1" lang="en-US" altLang="ja-JP" sz="2400" b="0" i="1" smtClean="0">
+                              <a:latin typeface="Cambria Math" panose="02040503050406030204" pitchFamily="18" charset="0"/>
+                            </a:rPr>
+                            <m:t>𝑄</m:t>
+                          </m:r>
+                        </m:e>
+                        <m:sub>
+                          <m:r>
+                            <a:rPr kumimoji="1" lang="en-US" altLang="ja-JP" sz="2400" b="0" i="1" smtClean="0">
+                              <a:latin typeface="Cambria Math" panose="02040503050406030204" pitchFamily="18" charset="0"/>
+                            </a:rPr>
+                            <m:t>4</m:t>
+                          </m:r>
+                        </m:sub>
+                      </m:sSub>
+                      <m:r>
+                        <a:rPr kumimoji="1" lang="en-US" altLang="ja-JP" sz="2400" b="0" i="1" smtClean="0">
+                          <a:latin typeface="Cambria Math" panose="02040503050406030204" pitchFamily="18" charset="0"/>
+                        </a:rPr>
+                        <m:t>, </m:t>
+                      </m:r>
+                      <m:sSub>
+                        <m:sSubPr>
+                          <m:ctrlPr>
+                            <a:rPr kumimoji="1" lang="en-US" altLang="ja-JP" sz="2400" b="0" i="1" smtClean="0">
+                              <a:latin typeface="Cambria Math" panose="02040503050406030204" pitchFamily="18" charset="0"/>
+                            </a:rPr>
+                          </m:ctrlPr>
+                        </m:sSubPr>
+                        <m:e>
+                          <m:r>
+                            <a:rPr kumimoji="1" lang="en-US" altLang="ja-JP" sz="2400" b="0" i="1" smtClean="0">
+                              <a:latin typeface="Cambria Math" panose="02040503050406030204" pitchFamily="18" charset="0"/>
+                            </a:rPr>
+                            <m:t>𝑇</m:t>
+                          </m:r>
+                        </m:e>
+                        <m:sub>
+                          <m:r>
+                            <a:rPr kumimoji="1" lang="en-US" altLang="ja-JP" sz="2400" b="0" i="1" smtClean="0">
+                              <a:latin typeface="Cambria Math" panose="02040503050406030204" pitchFamily="18" charset="0"/>
+                            </a:rPr>
+                            <m:t>0</m:t>
+                          </m:r>
+                        </m:sub>
+                      </m:sSub>
+                      <m:r>
+                        <a:rPr kumimoji="1" lang="en-US" altLang="ja-JP" sz="2400" b="0" i="1" smtClean="0">
+                          <a:latin typeface="Cambria Math" panose="02040503050406030204" pitchFamily="18" charset="0"/>
+                        </a:rPr>
+                        <m:t>, </m:t>
+                      </m:r>
+                      <m:sSub>
+                        <m:sSubPr>
+                          <m:ctrlPr>
+                            <a:rPr kumimoji="1" lang="en-US" altLang="ja-JP" sz="2400" b="0" i="1" smtClean="0">
+                              <a:latin typeface="Cambria Math" panose="02040503050406030204" pitchFamily="18" charset="0"/>
+                            </a:rPr>
+                          </m:ctrlPr>
+                        </m:sSubPr>
+                        <m:e>
+                          <m:r>
+                            <a:rPr kumimoji="1" lang="en-US" altLang="ja-JP" sz="2400" b="0" i="1" smtClean="0">
+                              <a:latin typeface="Cambria Math" panose="02040503050406030204" pitchFamily="18" charset="0"/>
+                            </a:rPr>
+                            <m:t>𝑇</m:t>
+                          </m:r>
+                        </m:e>
+                        <m:sub>
+                          <m:r>
+                            <a:rPr kumimoji="1" lang="en-US" altLang="ja-JP" sz="2400" b="0" i="1" smtClean="0">
+                              <a:latin typeface="Cambria Math" panose="02040503050406030204" pitchFamily="18" charset="0"/>
+                            </a:rPr>
+                            <m:t>4</m:t>
+                          </m:r>
+                        </m:sub>
+                      </m:sSub>
+                    </m:oMath>
+                    <m:oMath xmlns:m="http://schemas.openxmlformats.org/officeDocument/2006/math">
+                      <m:sSub>
+                        <m:sSubPr>
+                          <m:ctrlPr>
+                            <a:rPr kumimoji="1" lang="en-US" altLang="ja-JP" sz="2400" b="0" i="1" smtClean="0">
+                              <a:latin typeface="Cambria Math" panose="02040503050406030204" pitchFamily="18" charset="0"/>
+                            </a:rPr>
+                          </m:ctrlPr>
+                        </m:sSubPr>
+                        <m:e>
+                          <m:r>
+                            <a:rPr kumimoji="1" lang="en-US" altLang="ja-JP" sz="2400" b="0" i="1" smtClean="0">
+                              <a:latin typeface="Cambria Math" panose="02040503050406030204" pitchFamily="18" charset="0"/>
+                            </a:rPr>
+                            <m:t>𝐴</m:t>
+                          </m:r>
+                        </m:e>
+                        <m:sub>
+                          <m:r>
+                            <a:rPr kumimoji="1" lang="en-US" altLang="ja-JP" sz="2400" b="0" i="1" smtClean="0">
+                              <a:latin typeface="Cambria Math" panose="02040503050406030204" pitchFamily="18" charset="0"/>
+                            </a:rPr>
+                            <m:t>2</m:t>
+                          </m:r>
+                          <m:r>
+                            <a:rPr kumimoji="1" lang="en-US" altLang="ja-JP" sz="2400" b="0" i="1" smtClean="0">
+                              <a:latin typeface="Cambria Math" panose="02040503050406030204" pitchFamily="18" charset="0"/>
+                            </a:rPr>
+                            <m:t>𝑔</m:t>
+                          </m:r>
+                        </m:sub>
+                      </m:sSub>
+                      <m:r>
+                        <a:rPr kumimoji="1" lang="en-US" altLang="ja-JP" sz="2400" b="0" i="1" smtClean="0">
+                          <a:latin typeface="Cambria Math" panose="02040503050406030204" pitchFamily="18" charset="0"/>
+                        </a:rPr>
+                        <m:t>:</m:t>
+                      </m:r>
+                      <m:sSubSup>
+                        <m:sSubSupPr>
+                          <m:ctrlPr>
+                            <a:rPr kumimoji="1" lang="en-US" altLang="ja-JP" sz="2400" b="0" i="1" smtClean="0">
+                              <a:latin typeface="Cambria Math" panose="02040503050406030204" pitchFamily="18" charset="0"/>
+                            </a:rPr>
+                          </m:ctrlPr>
+                        </m:sSubSupPr>
+                        <m:e>
+                          <m:r>
+                            <a:rPr kumimoji="1" lang="en-US" altLang="ja-JP" sz="2400" b="0" i="1" smtClean="0">
+                              <a:latin typeface="Cambria Math" panose="02040503050406030204" pitchFamily="18" charset="0"/>
+                            </a:rPr>
+                            <m:t>𝑄</m:t>
+                          </m:r>
+                        </m:e>
+                        <m:sub>
+                          <m:r>
+                            <a:rPr kumimoji="1" lang="en-US" altLang="ja-JP" sz="2400" b="0" i="1" smtClean="0">
+                              <a:latin typeface="Cambria Math" panose="02040503050406030204" pitchFamily="18" charset="0"/>
+                            </a:rPr>
+                            <m:t>4</m:t>
+                          </m:r>
+                          <m:r>
+                            <a:rPr kumimoji="1" lang="en-US" altLang="ja-JP" sz="2400" b="0" i="1" smtClean="0">
+                              <a:latin typeface="Cambria Math" panose="02040503050406030204" pitchFamily="18" charset="0"/>
+                            </a:rPr>
+                            <m:t>𝑧</m:t>
+                          </m:r>
+                        </m:sub>
+                        <m:sup>
+                          <m:r>
+                            <a:rPr kumimoji="1" lang="en-US" altLang="ja-JP" sz="2400" b="0" i="1" smtClean="0">
+                              <a:latin typeface="Cambria Math" panose="02040503050406030204" pitchFamily="18" charset="0"/>
+                            </a:rPr>
+                            <m:t>𝛼</m:t>
+                          </m:r>
+                        </m:sup>
+                      </m:sSubSup>
+                      <m:r>
+                        <a:rPr kumimoji="1" lang="en-US" altLang="ja-JP" sz="2400" b="0" i="1" smtClean="0">
+                          <a:latin typeface="Cambria Math" panose="02040503050406030204" pitchFamily="18" charset="0"/>
+                        </a:rPr>
+                        <m:t>, </m:t>
+                      </m:r>
+                      <m:sSub>
+                        <m:sSubPr>
+                          <m:ctrlPr>
+                            <a:rPr kumimoji="1" lang="en-US" altLang="ja-JP" sz="2400" b="0" i="1" smtClean="0">
+                              <a:latin typeface="Cambria Math" panose="02040503050406030204" pitchFamily="18" charset="0"/>
+                            </a:rPr>
+                          </m:ctrlPr>
+                        </m:sSubPr>
+                        <m:e>
+                          <m:r>
+                            <a:rPr kumimoji="1" lang="en-US" altLang="ja-JP" sz="2400" b="0" i="1" smtClean="0">
+                              <a:latin typeface="Cambria Math" panose="02040503050406030204" pitchFamily="18" charset="0"/>
+                            </a:rPr>
+                            <m:t>𝐺</m:t>
+                          </m:r>
+                        </m:e>
+                        <m:sub>
+                          <m:r>
+                            <a:rPr kumimoji="1" lang="en-US" altLang="ja-JP" sz="2400" b="0" i="1" smtClean="0">
+                              <a:latin typeface="Cambria Math" panose="02040503050406030204" pitchFamily="18" charset="0"/>
+                            </a:rPr>
+                            <m:t>𝑧</m:t>
+                          </m:r>
+                        </m:sub>
+                      </m:sSub>
+                      <m:r>
+                        <a:rPr kumimoji="1" lang="en-US" altLang="ja-JP" sz="2400" b="0" i="1" smtClean="0">
+                          <a:latin typeface="Cambria Math" panose="02040503050406030204" pitchFamily="18" charset="0"/>
+                        </a:rPr>
+                        <m:t>, </m:t>
+                      </m:r>
+                      <m:sSubSup>
+                        <m:sSubSupPr>
+                          <m:ctrlPr>
+                            <a:rPr kumimoji="1" lang="en-US" altLang="ja-JP" sz="2400" b="0" i="1" smtClean="0">
+                              <a:latin typeface="Cambria Math" panose="02040503050406030204" pitchFamily="18" charset="0"/>
+                            </a:rPr>
+                          </m:ctrlPr>
+                        </m:sSubSupPr>
+                        <m:e>
+                          <m:r>
+                            <a:rPr kumimoji="1" lang="en-US" altLang="ja-JP" sz="2400" b="0" i="1" smtClean="0">
+                              <a:latin typeface="Cambria Math" panose="02040503050406030204" pitchFamily="18" charset="0"/>
+                            </a:rPr>
+                            <m:t>𝐺</m:t>
+                          </m:r>
+                        </m:e>
+                        <m:sub>
+                          <m:r>
+                            <a:rPr kumimoji="1" lang="en-US" altLang="ja-JP" sz="2400" b="0" i="1" smtClean="0">
+                              <a:latin typeface="Cambria Math" panose="02040503050406030204" pitchFamily="18" charset="0"/>
+                            </a:rPr>
+                            <m:t>𝑧</m:t>
+                          </m:r>
+                        </m:sub>
+                        <m:sup>
+                          <m:r>
+                            <a:rPr kumimoji="1" lang="en-US" altLang="ja-JP" sz="2400" b="0" i="1" smtClean="0">
+                              <a:latin typeface="Cambria Math" panose="02040503050406030204" pitchFamily="18" charset="0"/>
+                            </a:rPr>
+                            <m:t>𝛼</m:t>
+                          </m:r>
+                        </m:sup>
+                      </m:sSubSup>
+                      <m:r>
+                        <a:rPr kumimoji="1" lang="en-US" altLang="ja-JP" sz="2400" b="0" i="1" smtClean="0">
+                          <a:latin typeface="Cambria Math" panose="02040503050406030204" pitchFamily="18" charset="0"/>
+                        </a:rPr>
+                        <m:t>, </m:t>
+                      </m:r>
+                      <m:sSub>
+                        <m:sSubPr>
+                          <m:ctrlPr>
+                            <a:rPr kumimoji="1" lang="en-US" altLang="ja-JP" sz="2400" b="0" i="1" smtClean="0">
+                              <a:latin typeface="Cambria Math" panose="02040503050406030204" pitchFamily="18" charset="0"/>
+                            </a:rPr>
+                          </m:ctrlPr>
+                        </m:sSubPr>
+                        <m:e>
+                          <m:r>
+                            <a:rPr kumimoji="1" lang="en-US" altLang="ja-JP" sz="2400" b="0" i="1" smtClean="0">
+                              <a:latin typeface="Cambria Math" panose="02040503050406030204" pitchFamily="18" charset="0"/>
+                            </a:rPr>
+                            <m:t>𝑀</m:t>
+                          </m:r>
+                        </m:e>
+                        <m:sub>
+                          <m:r>
+                            <a:rPr kumimoji="1" lang="en-US" altLang="ja-JP" sz="2400" b="0" i="1" smtClean="0">
+                              <a:latin typeface="Cambria Math" panose="02040503050406030204" pitchFamily="18" charset="0"/>
+                            </a:rPr>
+                            <m:t>𝑥</m:t>
+                          </m:r>
+                        </m:sub>
+                      </m:sSub>
+                      <m:r>
+                        <a:rPr kumimoji="1" lang="en-US" altLang="ja-JP" sz="2400" b="0" i="1" smtClean="0">
+                          <a:latin typeface="Cambria Math" panose="02040503050406030204" pitchFamily="18" charset="0"/>
+                        </a:rPr>
+                        <m:t>, </m:t>
+                      </m:r>
+                      <m:sSubSup>
+                        <m:sSubSupPr>
+                          <m:ctrlPr>
+                            <a:rPr kumimoji="1" lang="en-US" altLang="ja-JP" sz="2400" b="0" i="1" smtClean="0">
+                              <a:latin typeface="Cambria Math" panose="02040503050406030204" pitchFamily="18" charset="0"/>
+                            </a:rPr>
+                          </m:ctrlPr>
+                        </m:sSubSupPr>
+                        <m:e>
+                          <m:r>
+                            <a:rPr kumimoji="1" lang="en-US" altLang="ja-JP" sz="2400" b="0" i="1" smtClean="0">
+                              <a:latin typeface="Cambria Math" panose="02040503050406030204" pitchFamily="18" charset="0"/>
+                            </a:rPr>
+                            <m:t>𝑀</m:t>
+                          </m:r>
+                        </m:e>
+                        <m:sub>
+                          <m:r>
+                            <a:rPr kumimoji="1" lang="en-US" altLang="ja-JP" sz="2400" b="0" i="1" smtClean="0">
+                              <a:latin typeface="Cambria Math" panose="02040503050406030204" pitchFamily="18" charset="0"/>
+                            </a:rPr>
+                            <m:t>𝑧</m:t>
+                          </m:r>
+                        </m:sub>
+                        <m:sup>
+                          <m:r>
+                            <a:rPr kumimoji="1" lang="en-US" altLang="ja-JP" sz="2400" b="0" i="1" smtClean="0">
+                              <a:latin typeface="Cambria Math" panose="02040503050406030204" pitchFamily="18" charset="0"/>
+                            </a:rPr>
+                            <m:t>𝛼</m:t>
+                          </m:r>
+                        </m:sup>
+                      </m:sSubSup>
+                      <m:r>
+                        <a:rPr kumimoji="1" lang="en-US" altLang="ja-JP" sz="2400" b="0" i="1" smtClean="0">
+                          <a:latin typeface="Cambria Math" panose="02040503050406030204" pitchFamily="18" charset="0"/>
+                        </a:rPr>
+                        <m:t>, </m:t>
+                      </m:r>
+                      <m:sSubSup>
+                        <m:sSubSupPr>
+                          <m:ctrlPr>
+                            <a:rPr kumimoji="1" lang="en-US" altLang="ja-JP" sz="2400" b="0" i="1" smtClean="0">
+                              <a:latin typeface="Cambria Math" panose="02040503050406030204" pitchFamily="18" charset="0"/>
+                            </a:rPr>
+                          </m:ctrlPr>
+                        </m:sSubSupPr>
+                        <m:e>
+                          <m:r>
+                            <a:rPr kumimoji="1" lang="en-US" altLang="ja-JP" sz="2400" b="0" i="1" smtClean="0">
+                              <a:latin typeface="Cambria Math" panose="02040503050406030204" pitchFamily="18" charset="0"/>
+                            </a:rPr>
+                            <m:t>𝑇</m:t>
+                          </m:r>
+                        </m:e>
+                        <m:sub>
+                          <m:r>
+                            <a:rPr kumimoji="1" lang="en-US" altLang="ja-JP" sz="2400" b="0" i="1" smtClean="0">
+                              <a:latin typeface="Cambria Math" panose="02040503050406030204" pitchFamily="18" charset="0"/>
+                            </a:rPr>
+                            <m:t>4</m:t>
+                          </m:r>
+                          <m:r>
+                            <a:rPr kumimoji="1" lang="en-US" altLang="ja-JP" sz="2400" b="0" i="1" smtClean="0">
+                              <a:latin typeface="Cambria Math" panose="02040503050406030204" pitchFamily="18" charset="0"/>
+                            </a:rPr>
+                            <m:t>𝑧</m:t>
+                          </m:r>
+                        </m:sub>
+                        <m:sup>
+                          <m:r>
+                            <a:rPr kumimoji="1" lang="en-US" altLang="ja-JP" sz="2400" b="0" i="1" smtClean="0">
+                              <a:latin typeface="Cambria Math" panose="02040503050406030204" pitchFamily="18" charset="0"/>
+                            </a:rPr>
+                            <m:t>𝛼</m:t>
+                          </m:r>
+                        </m:sup>
+                      </m:sSubSup>
+                    </m:oMath>
+                    <m:oMath xmlns:m="http://schemas.openxmlformats.org/officeDocument/2006/math">
+                      <m:sSub>
+                        <m:sSubPr>
+                          <m:ctrlPr>
+                            <a:rPr kumimoji="1" lang="en-US" altLang="ja-JP" sz="2400" b="0" i="1" smtClean="0">
+                              <a:latin typeface="Cambria Math" panose="02040503050406030204" pitchFamily="18" charset="0"/>
+                            </a:rPr>
+                          </m:ctrlPr>
+                        </m:sSubPr>
+                        <m:e>
+                          <m:r>
+                            <a:rPr kumimoji="1" lang="en-US" altLang="ja-JP" sz="2400" b="0" i="1" smtClean="0">
+                              <a:latin typeface="Cambria Math" panose="02040503050406030204" pitchFamily="18" charset="0"/>
+                            </a:rPr>
+                            <m:t>𝐵</m:t>
+                          </m:r>
+                        </m:e>
+                        <m:sub>
+                          <m:r>
+                            <a:rPr kumimoji="1" lang="en-US" altLang="ja-JP" sz="2400" b="0" i="1" smtClean="0">
+                              <a:latin typeface="Cambria Math" panose="02040503050406030204" pitchFamily="18" charset="0"/>
+                            </a:rPr>
+                            <m:t>1</m:t>
+                          </m:r>
+                          <m:r>
+                            <a:rPr kumimoji="1" lang="en-US" altLang="ja-JP" sz="2400" b="0" i="1" smtClean="0">
+                              <a:latin typeface="Cambria Math" panose="02040503050406030204" pitchFamily="18" charset="0"/>
+                            </a:rPr>
+                            <m:t>𝑔</m:t>
+                          </m:r>
+                        </m:sub>
+                      </m:sSub>
+                      <m:r>
+                        <a:rPr kumimoji="1" lang="en-US" altLang="ja-JP" sz="2400" b="0" i="1" smtClean="0">
+                          <a:latin typeface="Cambria Math" panose="02040503050406030204" pitchFamily="18" charset="0"/>
+                        </a:rPr>
+                        <m:t>:</m:t>
+                      </m:r>
+                      <m:sSub>
+                        <m:sSubPr>
+                          <m:ctrlPr>
+                            <a:rPr kumimoji="1" lang="en-US" altLang="ja-JP" sz="2400" b="0" i="1" smtClean="0">
+                              <a:latin typeface="Cambria Math" panose="02040503050406030204" pitchFamily="18" charset="0"/>
+                            </a:rPr>
+                          </m:ctrlPr>
+                        </m:sSubPr>
+                        <m:e>
+                          <m:r>
+                            <a:rPr kumimoji="1" lang="en-US" altLang="ja-JP" sz="2400" b="0" i="1" smtClean="0">
+                              <a:latin typeface="Cambria Math" panose="02040503050406030204" pitchFamily="18" charset="0"/>
+                            </a:rPr>
+                            <m:t>𝑄</m:t>
+                          </m:r>
+                        </m:e>
+                        <m:sub>
+                          <m:r>
+                            <a:rPr kumimoji="1" lang="en-US" altLang="ja-JP" sz="2400" b="0" i="1" smtClean="0">
+                              <a:latin typeface="Cambria Math" panose="02040503050406030204" pitchFamily="18" charset="0"/>
+                            </a:rPr>
+                            <m:t>𝑣</m:t>
+                          </m:r>
+                        </m:sub>
+                      </m:sSub>
+                      <m:r>
+                        <a:rPr kumimoji="1" lang="en-US" altLang="ja-JP" sz="2400" b="0" i="1" smtClean="0">
+                          <a:latin typeface="Cambria Math" panose="02040503050406030204" pitchFamily="18" charset="0"/>
+                        </a:rPr>
+                        <m:t>, </m:t>
+                      </m:r>
+                      <m:sSub>
+                        <m:sSubPr>
+                          <m:ctrlPr>
+                            <a:rPr kumimoji="1" lang="en-US" altLang="ja-JP" sz="2400" b="0" i="1" smtClean="0">
+                              <a:latin typeface="Cambria Math" panose="02040503050406030204" pitchFamily="18" charset="0"/>
+                            </a:rPr>
+                          </m:ctrlPr>
+                        </m:sSubPr>
+                        <m:e>
+                          <m:r>
+                            <a:rPr kumimoji="1" lang="en-US" altLang="ja-JP" sz="2400" b="0" i="1" smtClean="0">
+                              <a:latin typeface="Cambria Math" panose="02040503050406030204" pitchFamily="18" charset="0"/>
+                            </a:rPr>
+                            <m:t>𝑄</m:t>
+                          </m:r>
+                        </m:e>
+                        <m:sub>
+                          <m:r>
+                            <a:rPr kumimoji="1" lang="en-US" altLang="ja-JP" sz="2400" b="0" i="1" smtClean="0">
+                              <a:latin typeface="Cambria Math" panose="02040503050406030204" pitchFamily="18" charset="0"/>
+                            </a:rPr>
+                            <m:t>4</m:t>
+                          </m:r>
+                          <m:r>
+                            <a:rPr kumimoji="1" lang="en-US" altLang="ja-JP" sz="2400" b="0" i="1" smtClean="0">
+                              <a:latin typeface="Cambria Math" panose="02040503050406030204" pitchFamily="18" charset="0"/>
+                            </a:rPr>
+                            <m:t>𝑣</m:t>
+                          </m:r>
+                        </m:sub>
+                      </m:sSub>
+                      <m:r>
+                        <a:rPr kumimoji="1" lang="en-US" altLang="ja-JP" sz="2400" b="0" i="1" smtClean="0">
+                          <a:latin typeface="Cambria Math" panose="02040503050406030204" pitchFamily="18" charset="0"/>
+                        </a:rPr>
+                        <m:t>, </m:t>
+                      </m:r>
+                      <m:sSub>
+                        <m:sSubPr>
+                          <m:ctrlPr>
+                            <a:rPr kumimoji="1" lang="en-US" altLang="ja-JP" sz="2400" b="0" i="1" smtClean="0">
+                              <a:latin typeface="Cambria Math" panose="02040503050406030204" pitchFamily="18" charset="0"/>
+                            </a:rPr>
+                          </m:ctrlPr>
+                        </m:sSubPr>
+                        <m:e>
+                          <m:r>
+                            <a:rPr kumimoji="1" lang="en-US" altLang="ja-JP" sz="2400" b="0" i="1" smtClean="0">
+                              <a:latin typeface="Cambria Math" panose="02040503050406030204" pitchFamily="18" charset="0"/>
+                            </a:rPr>
+                            <m:t>𝑇</m:t>
+                          </m:r>
+                        </m:e>
+                        <m:sub>
+                          <m:r>
+                            <a:rPr kumimoji="1" lang="en-US" altLang="ja-JP" sz="2400" b="0" i="1" smtClean="0">
+                              <a:latin typeface="Cambria Math" panose="02040503050406030204" pitchFamily="18" charset="0"/>
+                            </a:rPr>
+                            <m:t>𝑣</m:t>
+                          </m:r>
+                        </m:sub>
+                      </m:sSub>
+                      <m:r>
+                        <a:rPr kumimoji="1" lang="en-US" altLang="ja-JP" sz="2400" b="0" i="1" smtClean="0">
+                          <a:latin typeface="Cambria Math" panose="02040503050406030204" pitchFamily="18" charset="0"/>
+                        </a:rPr>
+                        <m:t>, </m:t>
+                      </m:r>
+                      <m:sSub>
+                        <m:sSubPr>
+                          <m:ctrlPr>
+                            <a:rPr kumimoji="1" lang="en-US" altLang="ja-JP" sz="2400" b="0" i="1" smtClean="0">
+                              <a:latin typeface="Cambria Math" panose="02040503050406030204" pitchFamily="18" charset="0"/>
+                            </a:rPr>
+                          </m:ctrlPr>
+                        </m:sSubPr>
+                        <m:e>
+                          <m:r>
+                            <a:rPr kumimoji="1" lang="en-US" altLang="ja-JP" sz="2400" b="0" i="1" smtClean="0">
+                              <a:latin typeface="Cambria Math" panose="02040503050406030204" pitchFamily="18" charset="0"/>
+                            </a:rPr>
+                            <m:t>𝑇</m:t>
+                          </m:r>
+                        </m:e>
+                        <m:sub>
+                          <m:r>
+                            <a:rPr kumimoji="1" lang="en-US" altLang="ja-JP" sz="2400" b="0" i="1" smtClean="0">
+                              <a:latin typeface="Cambria Math" panose="02040503050406030204" pitchFamily="18" charset="0"/>
+                            </a:rPr>
+                            <m:t>4</m:t>
+                          </m:r>
+                          <m:r>
+                            <a:rPr kumimoji="1" lang="en-US" altLang="ja-JP" sz="2400" b="0" i="1" smtClean="0">
+                              <a:latin typeface="Cambria Math" panose="02040503050406030204" pitchFamily="18" charset="0"/>
+                            </a:rPr>
+                            <m:t>𝑣</m:t>
+                          </m:r>
+                        </m:sub>
+                      </m:sSub>
+                    </m:oMath>
+                    <m:oMath xmlns:m="http://schemas.openxmlformats.org/officeDocument/2006/math">
+                      <m:sSub>
+                        <m:sSubPr>
+                          <m:ctrlPr>
+                            <a:rPr kumimoji="1" lang="en-US" altLang="ja-JP" sz="2400" b="0" i="1" smtClean="0">
+                              <a:latin typeface="Cambria Math" panose="02040503050406030204" pitchFamily="18" charset="0"/>
+                            </a:rPr>
+                          </m:ctrlPr>
+                        </m:sSubPr>
+                        <m:e>
+                          <m:r>
+                            <a:rPr kumimoji="1" lang="en-US" altLang="ja-JP" sz="2400" b="0" i="1" smtClean="0">
+                              <a:latin typeface="Cambria Math" panose="02040503050406030204" pitchFamily="18" charset="0"/>
+                            </a:rPr>
+                            <m:t>𝐵</m:t>
+                          </m:r>
+                        </m:e>
+                        <m:sub>
+                          <m:r>
+                            <a:rPr kumimoji="1" lang="en-US" altLang="ja-JP" sz="2400" b="0" i="1" smtClean="0">
+                              <a:latin typeface="Cambria Math" panose="02040503050406030204" pitchFamily="18" charset="0"/>
+                            </a:rPr>
+                            <m:t>2</m:t>
+                          </m:r>
+                          <m:r>
+                            <a:rPr kumimoji="1" lang="en-US" altLang="ja-JP" sz="2400" b="0" i="1" smtClean="0">
+                              <a:latin typeface="Cambria Math" panose="02040503050406030204" pitchFamily="18" charset="0"/>
+                            </a:rPr>
+                            <m:t>𝑔</m:t>
+                          </m:r>
+                        </m:sub>
+                      </m:sSub>
+                      <m:r>
+                        <a:rPr kumimoji="1" lang="en-US" altLang="ja-JP" sz="2400" b="0" i="1" smtClean="0">
+                          <a:latin typeface="Cambria Math" panose="02040503050406030204" pitchFamily="18" charset="0"/>
+                        </a:rPr>
+                        <m:t>:</m:t>
+                      </m:r>
+                      <m:sSub>
+                        <m:sSubPr>
+                          <m:ctrlPr>
+                            <a:rPr kumimoji="1" lang="en-US" altLang="ja-JP" sz="2400" b="0" i="1" smtClean="0">
+                              <a:latin typeface="Cambria Math" panose="02040503050406030204" pitchFamily="18" charset="0"/>
+                            </a:rPr>
+                          </m:ctrlPr>
+                        </m:sSubPr>
+                        <m:e>
+                          <m:r>
+                            <a:rPr kumimoji="1" lang="en-US" altLang="ja-JP" sz="2400" b="0" i="1" smtClean="0">
+                              <a:latin typeface="Cambria Math" panose="02040503050406030204" pitchFamily="18" charset="0"/>
+                            </a:rPr>
+                            <m:t>𝑄</m:t>
+                          </m:r>
+                        </m:e>
+                        <m:sub>
+                          <m:r>
+                            <a:rPr kumimoji="1" lang="en-US" altLang="ja-JP" sz="2400" b="0" i="1" smtClean="0">
+                              <a:latin typeface="Cambria Math" panose="02040503050406030204" pitchFamily="18" charset="0"/>
+                            </a:rPr>
+                            <m:t>𝑥𝑦</m:t>
+                          </m:r>
+                        </m:sub>
+                      </m:sSub>
+                      <m:r>
+                        <a:rPr kumimoji="1" lang="en-US" altLang="ja-JP" sz="2400" b="0" i="1" smtClean="0">
+                          <a:latin typeface="Cambria Math" panose="02040503050406030204" pitchFamily="18" charset="0"/>
+                        </a:rPr>
+                        <m:t>, </m:t>
+                      </m:r>
+                      <m:sSubSup>
+                        <m:sSubSupPr>
+                          <m:ctrlPr>
+                            <a:rPr kumimoji="1" lang="en-US" altLang="ja-JP" sz="2400" b="0" i="1" smtClean="0">
+                              <a:latin typeface="Cambria Math" panose="02040503050406030204" pitchFamily="18" charset="0"/>
+                            </a:rPr>
+                          </m:ctrlPr>
+                        </m:sSubSupPr>
+                        <m:e>
+                          <m:r>
+                            <a:rPr kumimoji="1" lang="en-US" altLang="ja-JP" sz="2400" b="0" i="1" smtClean="0">
+                              <a:latin typeface="Cambria Math" panose="02040503050406030204" pitchFamily="18" charset="0"/>
+                            </a:rPr>
+                            <m:t>𝑄</m:t>
+                          </m:r>
+                        </m:e>
+                        <m:sub>
+                          <m:r>
+                            <a:rPr kumimoji="1" lang="en-US" altLang="ja-JP" sz="2400" b="0" i="1" smtClean="0">
+                              <a:latin typeface="Cambria Math" panose="02040503050406030204" pitchFamily="18" charset="0"/>
+                            </a:rPr>
+                            <m:t>4</m:t>
+                          </m:r>
+                          <m:r>
+                            <a:rPr kumimoji="1" lang="en-US" altLang="ja-JP" sz="2400" b="0" i="1" smtClean="0">
+                              <a:latin typeface="Cambria Math" panose="02040503050406030204" pitchFamily="18" charset="0"/>
+                            </a:rPr>
+                            <m:t>𝑧</m:t>
+                          </m:r>
+                        </m:sub>
+                        <m:sup>
+                          <m:r>
+                            <a:rPr kumimoji="1" lang="en-US" altLang="ja-JP" sz="2400" b="0" i="1" smtClean="0">
+                              <a:latin typeface="Cambria Math" panose="02040503050406030204" pitchFamily="18" charset="0"/>
+                            </a:rPr>
+                            <m:t>𝛽</m:t>
+                          </m:r>
+                        </m:sup>
+                      </m:sSubSup>
+                      <m:r>
+                        <a:rPr kumimoji="1" lang="en-US" altLang="ja-JP" sz="2400" b="0" i="1" smtClean="0">
+                          <a:latin typeface="Cambria Math" panose="02040503050406030204" pitchFamily="18" charset="0"/>
+                        </a:rPr>
+                        <m:t>, </m:t>
+                      </m:r>
+                      <m:sSubSup>
+                        <m:sSubSupPr>
+                          <m:ctrlPr>
+                            <a:rPr kumimoji="1" lang="en-US" altLang="ja-JP" sz="2400" b="0" i="1" smtClean="0">
+                              <a:latin typeface="Cambria Math" panose="02040503050406030204" pitchFamily="18" charset="0"/>
+                            </a:rPr>
+                          </m:ctrlPr>
+                        </m:sSubSupPr>
+                        <m:e>
+                          <m:r>
+                            <a:rPr kumimoji="1" lang="en-US" altLang="ja-JP" sz="2400" b="0" i="1" smtClean="0">
+                              <a:latin typeface="Cambria Math" panose="02040503050406030204" pitchFamily="18" charset="0"/>
+                            </a:rPr>
+                            <m:t>𝐺</m:t>
+                          </m:r>
+                        </m:e>
+                        <m:sub>
+                          <m:r>
+                            <a:rPr kumimoji="1" lang="en-US" altLang="ja-JP" sz="2400" b="0" i="1" smtClean="0">
+                              <a:latin typeface="Cambria Math" panose="02040503050406030204" pitchFamily="18" charset="0"/>
+                            </a:rPr>
+                            <m:t>𝑧</m:t>
+                          </m:r>
+                        </m:sub>
+                        <m:sup>
+                          <m:r>
+                            <a:rPr kumimoji="1" lang="en-US" altLang="ja-JP" sz="2400" b="0" i="1" smtClean="0">
+                              <a:latin typeface="Cambria Math" panose="02040503050406030204" pitchFamily="18" charset="0"/>
+                            </a:rPr>
+                            <m:t>𝛽</m:t>
+                          </m:r>
+                        </m:sup>
+                      </m:sSubSup>
+                      <m:r>
+                        <a:rPr kumimoji="1" lang="en-US" altLang="ja-JP" sz="2400" b="0" i="1" smtClean="0">
+                          <a:latin typeface="Cambria Math" panose="02040503050406030204" pitchFamily="18" charset="0"/>
+                        </a:rPr>
+                        <m:t>, </m:t>
+                      </m:r>
+                      <m:sSubSup>
+                        <m:sSubSupPr>
+                          <m:ctrlPr>
+                            <a:rPr kumimoji="1" lang="en-US" altLang="ja-JP" sz="2400" b="0" i="1" smtClean="0">
+                              <a:latin typeface="Cambria Math" panose="02040503050406030204" pitchFamily="18" charset="0"/>
+                            </a:rPr>
+                          </m:ctrlPr>
+                        </m:sSubSupPr>
+                        <m:e>
+                          <m:r>
+                            <a:rPr kumimoji="1" lang="en-US" altLang="ja-JP" sz="2400" b="0" i="1" smtClean="0">
+                              <a:latin typeface="Cambria Math" panose="02040503050406030204" pitchFamily="18" charset="0"/>
+                            </a:rPr>
+                            <m:t>𝑀</m:t>
+                          </m:r>
+                        </m:e>
+                        <m:sub>
+                          <m:r>
+                            <a:rPr kumimoji="1" lang="en-US" altLang="ja-JP" sz="2400" b="0" i="1" smtClean="0">
+                              <a:latin typeface="Cambria Math" panose="02040503050406030204" pitchFamily="18" charset="0"/>
+                            </a:rPr>
+                            <m:t>𝑧</m:t>
+                          </m:r>
+                        </m:sub>
+                        <m:sup>
+                          <m:r>
+                            <a:rPr kumimoji="1" lang="en-US" altLang="ja-JP" sz="2400" b="0" i="1" smtClean="0">
+                              <a:latin typeface="Cambria Math" panose="02040503050406030204" pitchFamily="18" charset="0"/>
+                            </a:rPr>
+                            <m:t>𝛽</m:t>
+                          </m:r>
+                        </m:sup>
+                      </m:sSubSup>
+                      <m:r>
+                        <a:rPr kumimoji="1" lang="en-US" altLang="ja-JP" sz="2400" b="0" i="1" smtClean="0">
+                          <a:latin typeface="Cambria Math" panose="02040503050406030204" pitchFamily="18" charset="0"/>
+                        </a:rPr>
+                        <m:t>,</m:t>
+                      </m:r>
+                      <m:sSub>
+                        <m:sSubPr>
+                          <m:ctrlPr>
+                            <a:rPr lang="en-US" altLang="ja-JP" sz="2400" i="1">
+                              <a:latin typeface="Cambria Math" panose="02040503050406030204" pitchFamily="18" charset="0"/>
+                            </a:rPr>
+                          </m:ctrlPr>
+                        </m:sSubPr>
+                        <m:e>
+                          <m:r>
+                            <a:rPr lang="en-US" altLang="ja-JP" sz="2400" b="0" i="1" smtClean="0">
+                              <a:latin typeface="Cambria Math" panose="02040503050406030204" pitchFamily="18" charset="0"/>
+                            </a:rPr>
+                            <m:t>𝑇</m:t>
+                          </m:r>
+                        </m:e>
+                        <m:sub>
+                          <m:r>
+                            <a:rPr lang="en-US" altLang="ja-JP" sz="2400" i="1">
+                              <a:latin typeface="Cambria Math" panose="02040503050406030204" pitchFamily="18" charset="0"/>
+                            </a:rPr>
+                            <m:t>𝑥𝑦</m:t>
+                          </m:r>
+                        </m:sub>
+                      </m:sSub>
+                      <m:r>
+                        <a:rPr lang="en-US" altLang="ja-JP" sz="2400" i="1">
+                          <a:latin typeface="Cambria Math" panose="02040503050406030204" pitchFamily="18" charset="0"/>
+                        </a:rPr>
+                        <m:t>, </m:t>
+                      </m:r>
+                      <m:sSubSup>
+                        <m:sSubSupPr>
+                          <m:ctrlPr>
+                            <a:rPr lang="en-US" altLang="ja-JP" sz="2400" i="1">
+                              <a:latin typeface="Cambria Math" panose="02040503050406030204" pitchFamily="18" charset="0"/>
+                            </a:rPr>
+                          </m:ctrlPr>
+                        </m:sSubSupPr>
+                        <m:e>
+                          <m:r>
+                            <a:rPr lang="en-US" altLang="ja-JP" sz="2400" b="0" i="1" smtClean="0">
+                              <a:latin typeface="Cambria Math" panose="02040503050406030204" pitchFamily="18" charset="0"/>
+                            </a:rPr>
+                            <m:t>𝑇</m:t>
+                          </m:r>
+                        </m:e>
+                        <m:sub>
+                          <m:r>
+                            <a:rPr lang="en-US" altLang="ja-JP" sz="2400" i="1">
+                              <a:latin typeface="Cambria Math" panose="02040503050406030204" pitchFamily="18" charset="0"/>
+                            </a:rPr>
+                            <m:t>4</m:t>
+                          </m:r>
+                          <m:r>
+                            <a:rPr lang="en-US" altLang="ja-JP" sz="2400" i="1">
+                              <a:latin typeface="Cambria Math" panose="02040503050406030204" pitchFamily="18" charset="0"/>
+                            </a:rPr>
+                            <m:t>𝑧</m:t>
+                          </m:r>
+                        </m:sub>
+                        <m:sup>
+                          <m:r>
+                            <a:rPr lang="en-US" altLang="ja-JP" sz="2400" i="1">
+                              <a:latin typeface="Cambria Math" panose="02040503050406030204" pitchFamily="18" charset="0"/>
+                            </a:rPr>
+                            <m:t>𝛽</m:t>
+                          </m:r>
+                        </m:sup>
+                      </m:sSubSup>
+                      <m:r>
+                        <a:rPr lang="en-US" altLang="ja-JP" sz="2400" i="1">
+                          <a:latin typeface="Cambria Math" panose="02040503050406030204" pitchFamily="18" charset="0"/>
+                        </a:rPr>
+                        <m:t>,</m:t>
+                      </m:r>
+                    </m:oMath>
+                    <m:oMath xmlns:m="http://schemas.openxmlformats.org/officeDocument/2006/math">
+                      <m:sSub>
+                        <m:sSubPr>
+                          <m:ctrlPr>
+                            <a:rPr kumimoji="1" lang="en-US" altLang="ja-JP" sz="2400" b="0" i="1" smtClean="0">
+                              <a:latin typeface="Cambria Math" panose="02040503050406030204" pitchFamily="18" charset="0"/>
+                            </a:rPr>
+                          </m:ctrlPr>
+                        </m:sSubPr>
+                        <m:e>
+                          <m:r>
+                            <a:rPr kumimoji="1" lang="en-US" altLang="ja-JP" sz="2400" b="0" i="1" smtClean="0">
+                              <a:latin typeface="Cambria Math" panose="02040503050406030204" pitchFamily="18" charset="0"/>
+                            </a:rPr>
+                            <m:t>𝐸</m:t>
+                          </m:r>
+                        </m:e>
+                        <m:sub>
+                          <m:r>
+                            <a:rPr kumimoji="1" lang="en-US" altLang="ja-JP" sz="2400" b="0" i="1" smtClean="0">
+                              <a:latin typeface="Cambria Math" panose="02040503050406030204" pitchFamily="18" charset="0"/>
+                            </a:rPr>
+                            <m:t>𝑢</m:t>
+                          </m:r>
+                        </m:sub>
+                      </m:sSub>
+                      <m:r>
+                        <a:rPr kumimoji="1" lang="en-US" altLang="ja-JP" sz="2400" b="0" i="1" smtClean="0">
+                          <a:latin typeface="Cambria Math" panose="02040503050406030204" pitchFamily="18" charset="0"/>
+                        </a:rPr>
+                        <m:t>:</m:t>
+                      </m:r>
+                      <m:d>
+                        <m:dPr>
+                          <m:ctrlPr>
+                            <a:rPr kumimoji="1" lang="en-US" altLang="ja-JP" sz="2400" b="0" i="1" smtClean="0">
+                              <a:latin typeface="Cambria Math" panose="02040503050406030204" pitchFamily="18" charset="0"/>
+                            </a:rPr>
+                          </m:ctrlPr>
+                        </m:dPr>
+                        <m:e>
+                          <m:sSubSup>
+                            <m:sSubSupPr>
+                              <m:ctrlPr>
+                                <a:rPr kumimoji="1" lang="en-US" altLang="ja-JP" sz="2400" b="0" i="1" smtClean="0">
+                                  <a:latin typeface="Cambria Math" panose="02040503050406030204" pitchFamily="18" charset="0"/>
+                                </a:rPr>
+                              </m:ctrlPr>
+                            </m:sSubSupPr>
+                            <m:e>
+                              <m:r>
+                                <a:rPr kumimoji="1" lang="en-US" altLang="ja-JP" sz="2400" b="0" i="1" smtClean="0">
+                                  <a:latin typeface="Cambria Math" panose="02040503050406030204" pitchFamily="18" charset="0"/>
+                                </a:rPr>
+                                <m:t>𝑄</m:t>
+                              </m:r>
+                            </m:e>
+                            <m:sub>
+                              <m:r>
+                                <a:rPr kumimoji="1" lang="en-US" altLang="ja-JP" sz="2400" b="0" i="1" smtClean="0">
+                                  <a:latin typeface="Cambria Math" panose="02040503050406030204" pitchFamily="18" charset="0"/>
+                                </a:rPr>
+                                <m:t>𝑥</m:t>
+                              </m:r>
+                            </m:sub>
+                            <m:sup>
+                              <m:r>
+                                <a:rPr kumimoji="1" lang="en-US" altLang="ja-JP" sz="2400" b="0" i="1" smtClean="0">
+                                  <a:latin typeface="Cambria Math" panose="02040503050406030204" pitchFamily="18" charset="0"/>
+                                </a:rPr>
+                                <m:t>𝛽</m:t>
+                              </m:r>
+                            </m:sup>
+                          </m:sSubSup>
+                          <m:r>
+                            <a:rPr kumimoji="1" lang="en-US" altLang="ja-JP" sz="2400" b="0" i="1" smtClean="0">
+                              <a:latin typeface="Cambria Math" panose="02040503050406030204" pitchFamily="18" charset="0"/>
+                            </a:rPr>
+                            <m:t>,</m:t>
+                          </m:r>
+                          <m:sSubSup>
+                            <m:sSubSupPr>
+                              <m:ctrlPr>
+                                <a:rPr kumimoji="1" lang="en-US" altLang="ja-JP" sz="2400" b="0" i="1" smtClean="0">
+                                  <a:latin typeface="Cambria Math" panose="02040503050406030204" pitchFamily="18" charset="0"/>
+                                </a:rPr>
+                              </m:ctrlPr>
+                            </m:sSubSupPr>
+                            <m:e>
+                              <m:r>
+                                <a:rPr kumimoji="1" lang="en-US" altLang="ja-JP" sz="2400" b="0" i="1" smtClean="0">
+                                  <a:latin typeface="Cambria Math" panose="02040503050406030204" pitchFamily="18" charset="0"/>
+                                </a:rPr>
+                                <m:t>𝑄</m:t>
+                              </m:r>
+                            </m:e>
+                            <m:sub>
+                              <m:r>
+                                <a:rPr kumimoji="1" lang="en-US" altLang="ja-JP" sz="2400" b="0" i="1" smtClean="0">
+                                  <a:latin typeface="Cambria Math" panose="02040503050406030204" pitchFamily="18" charset="0"/>
+                                </a:rPr>
+                                <m:t>𝑦</m:t>
+                              </m:r>
+                            </m:sub>
+                            <m:sup>
+                              <m:r>
+                                <a:rPr kumimoji="1" lang="en-US" altLang="ja-JP" sz="2400" b="0" i="1" smtClean="0">
+                                  <a:latin typeface="Cambria Math" panose="02040503050406030204" pitchFamily="18" charset="0"/>
+                                </a:rPr>
+                                <m:t>𝛽</m:t>
+                              </m:r>
+                            </m:sup>
+                          </m:sSubSup>
+                        </m:e>
+                      </m:d>
+                      <m:r>
+                        <a:rPr lang="en-US" altLang="ja-JP" sz="2400" i="1">
+                          <a:latin typeface="Cambria Math" panose="02040503050406030204" pitchFamily="18" charset="0"/>
+                        </a:rPr>
+                        <m:t>,</m:t>
+                      </m:r>
+                      <m:d>
+                        <m:dPr>
+                          <m:ctrlPr>
+                            <a:rPr lang="en-US" altLang="ja-JP" sz="2400" b="0" i="1" smtClean="0">
+                              <a:latin typeface="Cambria Math" panose="02040503050406030204" pitchFamily="18" charset="0"/>
+                            </a:rPr>
+                          </m:ctrlPr>
+                        </m:dPr>
+                        <m:e>
+                          <m:sSub>
+                            <m:sSubPr>
+                              <m:ctrlPr>
+                                <a:rPr lang="en-US" altLang="ja-JP" sz="2400" b="0" i="1" smtClean="0">
+                                  <a:latin typeface="Cambria Math" panose="02040503050406030204" pitchFamily="18" charset="0"/>
+                                </a:rPr>
+                              </m:ctrlPr>
+                            </m:sSubPr>
+                            <m:e>
+                              <m:r>
+                                <a:rPr lang="en-US" altLang="ja-JP" sz="2400" b="0" i="1" smtClean="0">
+                                  <a:latin typeface="Cambria Math" panose="02040503050406030204" pitchFamily="18" charset="0"/>
+                                </a:rPr>
+                                <m:t>𝐺</m:t>
+                              </m:r>
+                            </m:e>
+                            <m:sub>
+                              <m:r>
+                                <a:rPr lang="en-US" altLang="ja-JP" sz="2400" b="0" i="1" smtClean="0">
+                                  <a:latin typeface="Cambria Math" panose="02040503050406030204" pitchFamily="18" charset="0"/>
+                                </a:rPr>
+                                <m:t>𝑦𝑧</m:t>
+                              </m:r>
+                            </m:sub>
+                          </m:sSub>
+                          <m:r>
+                            <a:rPr lang="en-US" altLang="ja-JP" sz="2400" b="0" i="1" smtClean="0">
+                              <a:latin typeface="Cambria Math" panose="02040503050406030204" pitchFamily="18" charset="0"/>
+                            </a:rPr>
+                            <m:t>,</m:t>
+                          </m:r>
+                          <m:sSub>
+                            <m:sSubPr>
+                              <m:ctrlPr>
+                                <a:rPr lang="en-US" altLang="ja-JP" sz="2400" b="0" i="1" smtClean="0">
+                                  <a:latin typeface="Cambria Math" panose="02040503050406030204" pitchFamily="18" charset="0"/>
+                                </a:rPr>
+                              </m:ctrlPr>
+                            </m:sSubPr>
+                            <m:e>
+                              <m:r>
+                                <a:rPr lang="en-US" altLang="ja-JP" sz="2400" b="0" i="1" smtClean="0">
+                                  <a:latin typeface="Cambria Math" panose="02040503050406030204" pitchFamily="18" charset="0"/>
+                                </a:rPr>
+                                <m:t>𝐺</m:t>
+                              </m:r>
+                            </m:e>
+                            <m:sub>
+                              <m:r>
+                                <a:rPr lang="en-US" altLang="ja-JP" sz="2400" b="0" i="1" smtClean="0">
+                                  <a:latin typeface="Cambria Math" panose="02040503050406030204" pitchFamily="18" charset="0"/>
+                                </a:rPr>
+                                <m:t>𝑧𝑥</m:t>
+                              </m:r>
+                            </m:sub>
+                          </m:sSub>
+                        </m:e>
+                      </m:d>
+                      <m:r>
+                        <a:rPr lang="en-US" altLang="ja-JP" sz="2400" b="0" i="1" smtClean="0">
+                          <a:latin typeface="Cambria Math" panose="02040503050406030204" pitchFamily="18" charset="0"/>
+                        </a:rPr>
+                        <m:t>,</m:t>
+                      </m:r>
+                      <m:d>
+                        <m:dPr>
+                          <m:ctrlPr>
+                            <a:rPr lang="en-US" altLang="ja-JP" sz="2400" b="0" i="1" smtClean="0">
+                              <a:latin typeface="Cambria Math" panose="02040503050406030204" pitchFamily="18" charset="0"/>
+                            </a:rPr>
+                          </m:ctrlPr>
+                        </m:dPr>
+                        <m:e>
+                          <m:sSubSup>
+                            <m:sSubSupPr>
+                              <m:ctrlPr>
+                                <a:rPr lang="en-US" altLang="ja-JP" sz="2400" b="0" i="1" smtClean="0">
+                                  <a:latin typeface="Cambria Math" panose="02040503050406030204" pitchFamily="18" charset="0"/>
+                                </a:rPr>
+                              </m:ctrlPr>
+                            </m:sSubSupPr>
+                            <m:e>
+                              <m:r>
+                                <a:rPr lang="en-US" altLang="ja-JP" sz="2400" i="1">
+                                  <a:latin typeface="Cambria Math" panose="02040503050406030204" pitchFamily="18" charset="0"/>
+                                </a:rPr>
+                                <m:t>𝐺</m:t>
+                              </m:r>
+                            </m:e>
+                            <m:sub>
+                              <m:r>
+                                <a:rPr lang="en-US" altLang="ja-JP" sz="2400" i="1">
+                                  <a:latin typeface="Cambria Math" panose="02040503050406030204" pitchFamily="18" charset="0"/>
+                                </a:rPr>
+                                <m:t>𝑦𝑧</m:t>
+                              </m:r>
+                            </m:sub>
+                            <m:sup>
+                              <m:r>
+                                <a:rPr lang="en-US" altLang="ja-JP" sz="2400" b="0" i="1" smtClean="0">
+                                  <a:latin typeface="Cambria Math" panose="02040503050406030204" pitchFamily="18" charset="0"/>
+                                </a:rPr>
+                                <m:t>4</m:t>
+                              </m:r>
+                            </m:sup>
+                          </m:sSubSup>
+                          <m:r>
+                            <a:rPr lang="en-US" altLang="ja-JP" sz="2400" i="1">
+                              <a:latin typeface="Cambria Math" panose="02040503050406030204" pitchFamily="18" charset="0"/>
+                            </a:rPr>
+                            <m:t>,</m:t>
+                          </m:r>
+                          <m:sSubSup>
+                            <m:sSubSupPr>
+                              <m:ctrlPr>
+                                <a:rPr lang="en-US" altLang="ja-JP" sz="2400" b="0" i="1" smtClean="0">
+                                  <a:latin typeface="Cambria Math" panose="02040503050406030204" pitchFamily="18" charset="0"/>
+                                </a:rPr>
+                              </m:ctrlPr>
+                            </m:sSubSupPr>
+                            <m:e>
+                              <m:r>
+                                <a:rPr lang="en-US" altLang="ja-JP" sz="2400" i="1">
+                                  <a:latin typeface="Cambria Math" panose="02040503050406030204" pitchFamily="18" charset="0"/>
+                                </a:rPr>
+                                <m:t>𝐺</m:t>
+                              </m:r>
+                            </m:e>
+                            <m:sub>
+                              <m:r>
+                                <a:rPr lang="en-US" altLang="ja-JP" sz="2400" i="1">
+                                  <a:latin typeface="Cambria Math" panose="02040503050406030204" pitchFamily="18" charset="0"/>
+                                </a:rPr>
+                                <m:t>𝑧𝑥</m:t>
+                              </m:r>
+                            </m:sub>
+                            <m:sup>
+                              <m:r>
+                                <a:rPr lang="en-US" altLang="ja-JP" sz="2400" b="0" i="1" smtClean="0">
+                                  <a:latin typeface="Cambria Math" panose="02040503050406030204" pitchFamily="18" charset="0"/>
+                                </a:rPr>
+                                <m:t>4</m:t>
+                              </m:r>
+                            </m:sup>
+                          </m:sSubSup>
+                        </m:e>
+                      </m:d>
+                      <m:r>
+                        <a:rPr lang="en-US" altLang="ja-JP" sz="2400" i="1">
+                          <a:latin typeface="Cambria Math" panose="02040503050406030204" pitchFamily="18" charset="0"/>
+                        </a:rPr>
+                        <m:t>,</m:t>
+                      </m:r>
+                      <m:d>
+                        <m:dPr>
+                          <m:ctrlPr>
+                            <a:rPr lang="en-US" altLang="ja-JP" sz="2400" i="1">
+                              <a:latin typeface="Cambria Math" panose="02040503050406030204" pitchFamily="18" charset="0"/>
+                            </a:rPr>
+                          </m:ctrlPr>
+                        </m:dPr>
+                        <m:e>
+                          <m:sSub>
+                            <m:sSubPr>
+                              <m:ctrlPr>
+                                <a:rPr lang="en-US" altLang="ja-JP" sz="2400" i="1">
+                                  <a:latin typeface="Cambria Math" panose="02040503050406030204" pitchFamily="18" charset="0"/>
+                                </a:rPr>
+                              </m:ctrlPr>
+                            </m:sSubPr>
+                            <m:e>
+                              <m:r>
+                                <a:rPr lang="en-US" altLang="ja-JP" sz="2400" b="0" i="1" smtClean="0">
+                                  <a:latin typeface="Cambria Math" panose="02040503050406030204" pitchFamily="18" charset="0"/>
+                                </a:rPr>
+                                <m:t>𝑀</m:t>
+                              </m:r>
+                            </m:e>
+                            <m:sub>
+                              <m:r>
+                                <a:rPr lang="en-US" altLang="ja-JP" sz="2400" i="1">
+                                  <a:latin typeface="Cambria Math" panose="02040503050406030204" pitchFamily="18" charset="0"/>
+                                </a:rPr>
+                                <m:t>𝑦𝑧</m:t>
+                              </m:r>
+                            </m:sub>
+                          </m:sSub>
+                          <m:r>
+                            <a:rPr lang="en-US" altLang="ja-JP" sz="2400" i="1">
+                              <a:latin typeface="Cambria Math" panose="02040503050406030204" pitchFamily="18" charset="0"/>
+                            </a:rPr>
+                            <m:t>,</m:t>
+                          </m:r>
+                          <m:sSub>
+                            <m:sSubPr>
+                              <m:ctrlPr>
+                                <a:rPr lang="en-US" altLang="ja-JP" sz="2400" i="1">
+                                  <a:latin typeface="Cambria Math" panose="02040503050406030204" pitchFamily="18" charset="0"/>
+                                </a:rPr>
+                              </m:ctrlPr>
+                            </m:sSubPr>
+                            <m:e>
+                              <m:r>
+                                <a:rPr lang="en-US" altLang="ja-JP" sz="2400" b="0" i="1" smtClean="0">
+                                  <a:latin typeface="Cambria Math" panose="02040503050406030204" pitchFamily="18" charset="0"/>
+                                </a:rPr>
+                                <m:t>𝑀</m:t>
+                              </m:r>
+                            </m:e>
+                            <m:sub>
+                              <m:r>
+                                <a:rPr lang="en-US" altLang="ja-JP" sz="2400" i="1">
+                                  <a:latin typeface="Cambria Math" panose="02040503050406030204" pitchFamily="18" charset="0"/>
+                                </a:rPr>
+                                <m:t>𝑧𝑥</m:t>
+                              </m:r>
+                            </m:sub>
+                          </m:sSub>
+                        </m:e>
+                      </m:d>
+                      <m:r>
+                        <a:rPr lang="en-US" altLang="ja-JP" sz="2400" i="1">
+                          <a:latin typeface="Cambria Math" panose="02040503050406030204" pitchFamily="18" charset="0"/>
+                        </a:rPr>
+                        <m:t>,</m:t>
+                      </m:r>
+                      <m:d>
+                        <m:dPr>
+                          <m:ctrlPr>
+                            <a:rPr lang="en-US" altLang="ja-JP" sz="2400" i="1">
+                              <a:latin typeface="Cambria Math" panose="02040503050406030204" pitchFamily="18" charset="0"/>
+                            </a:rPr>
+                          </m:ctrlPr>
+                        </m:dPr>
+                        <m:e>
+                          <m:sSubSup>
+                            <m:sSubSupPr>
+                              <m:ctrlPr>
+                                <a:rPr lang="en-US" altLang="ja-JP" sz="2400" i="1">
+                                  <a:latin typeface="Cambria Math" panose="02040503050406030204" pitchFamily="18" charset="0"/>
+                                </a:rPr>
+                              </m:ctrlPr>
+                            </m:sSubSupPr>
+                            <m:e>
+                              <m:r>
+                                <a:rPr lang="en-US" altLang="ja-JP" sz="2400" b="0" i="1" smtClean="0">
+                                  <a:latin typeface="Cambria Math" panose="02040503050406030204" pitchFamily="18" charset="0"/>
+                                </a:rPr>
+                                <m:t>𝑀</m:t>
+                              </m:r>
+                            </m:e>
+                            <m:sub>
+                              <m:r>
+                                <a:rPr lang="en-US" altLang="ja-JP" sz="2400" i="1">
+                                  <a:latin typeface="Cambria Math" panose="02040503050406030204" pitchFamily="18" charset="0"/>
+                                </a:rPr>
+                                <m:t>𝑦𝑧</m:t>
+                              </m:r>
+                            </m:sub>
+                            <m:sup>
+                              <m:r>
+                                <a:rPr lang="en-US" altLang="ja-JP" sz="2400" i="1">
+                                  <a:latin typeface="Cambria Math" panose="02040503050406030204" pitchFamily="18" charset="0"/>
+                                </a:rPr>
+                                <m:t>4</m:t>
+                              </m:r>
+                            </m:sup>
+                          </m:sSubSup>
+                          <m:r>
+                            <a:rPr lang="en-US" altLang="ja-JP" sz="2400" i="1">
+                              <a:latin typeface="Cambria Math" panose="02040503050406030204" pitchFamily="18" charset="0"/>
+                            </a:rPr>
+                            <m:t>,</m:t>
+                          </m:r>
+                          <m:sSubSup>
+                            <m:sSubSupPr>
+                              <m:ctrlPr>
+                                <a:rPr lang="en-US" altLang="ja-JP" sz="2400" i="1">
+                                  <a:latin typeface="Cambria Math" panose="02040503050406030204" pitchFamily="18" charset="0"/>
+                                </a:rPr>
+                              </m:ctrlPr>
+                            </m:sSubSupPr>
+                            <m:e>
+                              <m:r>
+                                <a:rPr lang="en-US" altLang="ja-JP" sz="2400" b="0" i="1" smtClean="0">
+                                  <a:latin typeface="Cambria Math" panose="02040503050406030204" pitchFamily="18" charset="0"/>
+                                </a:rPr>
+                                <m:t>𝑀</m:t>
+                              </m:r>
+                            </m:e>
+                            <m:sub>
+                              <m:r>
+                                <a:rPr lang="en-US" altLang="ja-JP" sz="2400" i="1">
+                                  <a:latin typeface="Cambria Math" panose="02040503050406030204" pitchFamily="18" charset="0"/>
+                                </a:rPr>
+                                <m:t>𝑧𝑥</m:t>
+                              </m:r>
+                            </m:sub>
+                            <m:sup>
+                              <m:r>
+                                <a:rPr lang="en-US" altLang="ja-JP" sz="2400" i="1">
+                                  <a:latin typeface="Cambria Math" panose="02040503050406030204" pitchFamily="18" charset="0"/>
+                                </a:rPr>
+                                <m:t>4</m:t>
+                              </m:r>
+                            </m:sup>
+                          </m:sSubSup>
+                        </m:e>
+                      </m:d>
+                      <m:r>
+                        <a:rPr lang="en-US" altLang="ja-JP" sz="2400" b="0" i="1" smtClean="0">
+                          <a:latin typeface="Cambria Math" panose="02040503050406030204" pitchFamily="18" charset="0"/>
+                        </a:rPr>
+                        <m:t>,</m:t>
+                      </m:r>
+                      <m:d>
+                        <m:dPr>
+                          <m:ctrlPr>
+                            <a:rPr lang="en-US" altLang="ja-JP" sz="2400" i="1">
+                              <a:latin typeface="Cambria Math" panose="02040503050406030204" pitchFamily="18" charset="0"/>
+                            </a:rPr>
+                          </m:ctrlPr>
+                        </m:dPr>
+                        <m:e>
+                          <m:sSubSup>
+                            <m:sSubSupPr>
+                              <m:ctrlPr>
+                                <a:rPr lang="en-US" altLang="ja-JP" sz="2400" i="1">
+                                  <a:latin typeface="Cambria Math" panose="02040503050406030204" pitchFamily="18" charset="0"/>
+                                </a:rPr>
+                              </m:ctrlPr>
+                            </m:sSubSupPr>
+                            <m:e>
+                              <m:r>
+                                <a:rPr lang="en-US" altLang="ja-JP" sz="2400" b="0" i="1" smtClean="0">
+                                  <a:latin typeface="Cambria Math" panose="02040503050406030204" pitchFamily="18" charset="0"/>
+                                </a:rPr>
+                                <m:t>𝑇</m:t>
+                              </m:r>
+                            </m:e>
+                            <m:sub>
+                              <m:r>
+                                <a:rPr lang="en-US" altLang="ja-JP" sz="2400" i="1">
+                                  <a:latin typeface="Cambria Math" panose="02040503050406030204" pitchFamily="18" charset="0"/>
+                                </a:rPr>
+                                <m:t>𝑥</m:t>
+                              </m:r>
+                            </m:sub>
+                            <m:sup>
+                              <m:r>
+                                <a:rPr lang="en-US" altLang="ja-JP" sz="2400" i="1">
+                                  <a:latin typeface="Cambria Math" panose="02040503050406030204" pitchFamily="18" charset="0"/>
+                                </a:rPr>
+                                <m:t>𝛽</m:t>
+                              </m:r>
+                            </m:sup>
+                          </m:sSubSup>
+                          <m:r>
+                            <a:rPr lang="en-US" altLang="ja-JP" sz="2400" i="1">
+                              <a:latin typeface="Cambria Math" panose="02040503050406030204" pitchFamily="18" charset="0"/>
+                            </a:rPr>
+                            <m:t>,</m:t>
+                          </m:r>
+                          <m:sSubSup>
+                            <m:sSubSupPr>
+                              <m:ctrlPr>
+                                <a:rPr lang="en-US" altLang="ja-JP" sz="2400" i="1">
+                                  <a:latin typeface="Cambria Math" panose="02040503050406030204" pitchFamily="18" charset="0"/>
+                                </a:rPr>
+                              </m:ctrlPr>
+                            </m:sSubSupPr>
+                            <m:e>
+                              <m:r>
+                                <a:rPr lang="en-US" altLang="ja-JP" sz="2400" b="0" i="1" smtClean="0">
+                                  <a:latin typeface="Cambria Math" panose="02040503050406030204" pitchFamily="18" charset="0"/>
+                                </a:rPr>
+                                <m:t>𝑇</m:t>
+                              </m:r>
+                            </m:e>
+                            <m:sub>
+                              <m:r>
+                                <a:rPr lang="en-US" altLang="ja-JP" sz="2400" i="1">
+                                  <a:latin typeface="Cambria Math" panose="02040503050406030204" pitchFamily="18" charset="0"/>
+                                </a:rPr>
+                                <m:t>𝑦</m:t>
+                              </m:r>
+                            </m:sub>
+                            <m:sup>
+                              <m:r>
+                                <a:rPr lang="en-US" altLang="ja-JP" sz="2400" i="1">
+                                  <a:latin typeface="Cambria Math" panose="02040503050406030204" pitchFamily="18" charset="0"/>
+                                </a:rPr>
+                                <m:t>𝛽</m:t>
+                              </m:r>
+                            </m:sup>
+                          </m:sSubSup>
+                        </m:e>
+                      </m:d>
+                    </m:oMath>
+                  </m:oMathPara>
+                </a14:m>
+                <a:endParaRPr lang="ja-JP" altLang="en-US" sz="2400" i="1" dirty="0"/>
+              </a:p>
+            </p:txBody>
+          </p:sp>
+        </mc:Choice>
+        <mc:Fallback xmlns="">
+          <p:sp>
+            <p:nvSpPr>
+              <p:cNvPr id="8" name="テキスト ボックス 7">
+                <a:extLst>
+                  <a:ext uri="{FF2B5EF4-FFF2-40B4-BE49-F238E27FC236}">
+                    <a16:creationId xmlns:a16="http://schemas.microsoft.com/office/drawing/2014/main" id="{D0434F89-E26C-FFF1-29FA-70168EB4353C}"/>
+                  </a:ext>
+                </a:extLst>
+              </p:cNvPr>
+              <p:cNvSpPr txBox="1">
+                <a:spLocks noRot="1" noChangeAspect="1" noMove="1" noResize="1" noEditPoints="1" noAdjustHandles="1" noChangeArrowheads="1" noChangeShapeType="1" noTextEdit="1"/>
+              </p:cNvSpPr>
+              <p:nvPr/>
+            </p:nvSpPr>
+            <p:spPr>
+              <a:xfrm>
+                <a:off x="0" y="2323638"/>
+                <a:ext cx="9325117" cy="2687018"/>
+              </a:xfrm>
+              <a:prstGeom prst="rect">
+                <a:avLst/>
+              </a:prstGeom>
+              <a:blipFill>
+                <a:blip r:embed="rId3"/>
+                <a:stretch>
+                  <a:fillRect l="-980" t="-1587"/>
+                </a:stretch>
+              </a:blipFill>
+            </p:spPr>
+            <p:txBody>
+              <a:bodyPr/>
+              <a:lstStyle/>
+              <a:p>
+                <a:r>
+                  <a:rPr lang="ja-JP" altLang="en-US">
+                    <a:noFill/>
+                  </a:rPr>
+                  <a:t> </a:t>
+                </a:r>
+              </a:p>
+            </p:txBody>
+          </p:sp>
+        </mc:Fallback>
+      </mc:AlternateContent>
+      <p:sp>
+        <p:nvSpPr>
+          <p:cNvPr id="56" name="テキスト ボックス 55">
+            <a:extLst>
+              <a:ext uri="{FF2B5EF4-FFF2-40B4-BE49-F238E27FC236}">
+                <a16:creationId xmlns:a16="http://schemas.microsoft.com/office/drawing/2014/main" id="{E6E956AB-E112-22E7-732D-AA591A47F153}"/>
+              </a:ext>
+            </a:extLst>
+          </p:cNvPr>
+          <p:cNvSpPr txBox="1"/>
+          <p:nvPr/>
+        </p:nvSpPr>
+        <p:spPr>
+          <a:xfrm>
+            <a:off x="0" y="1343818"/>
+            <a:ext cx="6219370" cy="461665"/>
+          </a:xfrm>
+          <a:prstGeom prst="rect">
+            <a:avLst/>
+          </a:prstGeom>
+          <a:noFill/>
+        </p:spPr>
+        <p:txBody>
+          <a:bodyPr wrap="square">
+            <a:spAutoFit/>
+          </a:bodyPr>
+          <a:lstStyle/>
+          <a:p>
+            <a:pPr marL="0" marR="0" lvl="0" indent="0" algn="l" defTabSz="914400" rtl="0" eaLnBrk="1" fontAlgn="auto" latinLnBrk="0" hangingPunct="1">
+              <a:lnSpc>
+                <a:spcPct val="100000"/>
+              </a:lnSpc>
+              <a:spcBef>
+                <a:spcPts val="0"/>
+              </a:spcBef>
+              <a:spcAft>
+                <a:spcPts val="0"/>
+              </a:spcAft>
+              <a:buClrTx/>
+              <a:buSzTx/>
+              <a:buFontTx/>
+              <a:buNone/>
+              <a:tabLst/>
+              <a:defRPr/>
+            </a:pPr>
+            <a:r>
+              <a:rPr kumimoji="1" lang="ja-JP" altLang="en-US" sz="2400" b="0" i="0" u="none" strike="noStrike" kern="1200" cap="none" spc="0" normalizeH="0" baseline="0" noProof="0" dirty="0">
+                <a:ln>
+                  <a:noFill/>
+                </a:ln>
+                <a:solidFill>
+                  <a:prstClr val="black"/>
+                </a:solidFill>
+                <a:effectLst/>
+                <a:uLnTx/>
+                <a:uFillTx/>
+                <a:latin typeface="Cambria Math" panose="02040503050406030204" pitchFamily="18" charset="0"/>
+                <a:ea typeface="游ゴシック" panose="020B0400000000000000" pitchFamily="50" charset="-128"/>
+                <a:cs typeface="+mn-cs"/>
+              </a:rPr>
+              <a:t>直和分解すると</a:t>
+            </a:r>
+            <a:endParaRPr kumimoji="1" lang="en-US" altLang="ja-JP" sz="2400" b="0" i="0" u="none" strike="noStrike" kern="1200" cap="none" spc="0" normalizeH="0" baseline="0" noProof="0" dirty="0">
+              <a:ln>
+                <a:noFill/>
+              </a:ln>
+              <a:solidFill>
+                <a:prstClr val="black"/>
+              </a:solidFill>
+              <a:effectLst/>
+              <a:uLnTx/>
+              <a:uFillTx/>
+              <a:latin typeface="Cambria Math" panose="02040503050406030204" pitchFamily="18" charset="0"/>
+              <a:ea typeface="游ゴシック" panose="020B0400000000000000" pitchFamily="50" charset="-128"/>
+              <a:cs typeface="+mn-cs"/>
+            </a:endParaRPr>
+          </a:p>
+        </p:txBody>
+      </p:sp>
+    </p:spTree>
+    <p:extLst>
+      <p:ext uri="{BB962C8B-B14F-4D97-AF65-F5344CB8AC3E}">
+        <p14:creationId xmlns:p14="http://schemas.microsoft.com/office/powerpoint/2010/main" val="245174660"/>
       </p:ext>
     </p:extLst>
   </p:cSld>
